--- a/ppts/9 - Unsupervised learning.pptx
+++ b/ppts/9 - Unsupervised learning.pptx
@@ -5,19 +5,25 @@
     <p:sldMasterId id="2147483648" r:id="rId1"/>
   </p:sldMasterIdLst>
   <p:notesMasterIdLst>
-    <p:notesMasterId r:id="rId4"/>
+    <p:notesMasterId r:id="rId10"/>
   </p:notesMasterIdLst>
   <p:handoutMasterIdLst>
-    <p:handoutMasterId r:id="rId5"/>
+    <p:handoutMasterId r:id="rId11"/>
   </p:handoutMasterIdLst>
   <p:sldIdLst>
     <p:sldId id="256" r:id="rId2"/>
     <p:sldId id="264" r:id="rId3"/>
+    <p:sldId id="265" r:id="rId4"/>
+    <p:sldId id="266" r:id="rId5"/>
+    <p:sldId id="267" r:id="rId6"/>
+    <p:sldId id="268" r:id="rId7"/>
+    <p:sldId id="269" r:id="rId8"/>
+    <p:sldId id="270" r:id="rId9"/>
   </p:sldIdLst>
   <p:sldSz cx="12192000" cy="6858000"/>
   <p:notesSz cx="6858000" cy="9144000"/>
   <p:custDataLst>
-    <p:tags r:id="rId6"/>
+    <p:tags r:id="rId12"/>
   </p:custDataLst>
   <p:defaultTextStyle>
     <a:defPPr>
@@ -231,7 +237,7 @@
           <a:p>
             <a:fld id="{15E4F5CE-CB34-4A0C-9595-867A2C0DB20E}" type="datetimeFigureOut">
               <a:rPr lang="nl-BE" smtClean="0"/>
-              <a:t>13/05/2025</a:t>
+              <a:t>18/05/2025</a:t>
             </a:fld>
             <a:endParaRPr lang="nl-BE"/>
           </a:p>
@@ -408,7 +414,7 @@
           <a:p>
             <a:fld id="{4D53584B-980D-4F7D-BA36-682FCDF648BB}" type="datetimeFigureOut">
               <a:rPr lang="nl-BE" smtClean="0"/>
-              <a:t>13/05/2025</a:t>
+              <a:t>18/05/2025</a:t>
             </a:fld>
             <a:endParaRPr lang="nl-BE"/>
           </a:p>
@@ -909,7 +915,7 @@
           <a:p>
             <a:fld id="{F456E141-11F1-487F-A892-18B8A63336C7}" type="datetime1">
               <a:rPr lang="nl-BE" smtClean="0"/>
-              <a:t>13/05/2025</a:t>
+              <a:t>18/05/2025</a:t>
             </a:fld>
             <a:endParaRPr lang="nl-BE"/>
           </a:p>
@@ -1225,7 +1231,7 @@
           <a:p>
             <a:fld id="{85CAFD92-94F2-4CD0-8A1D-AA3295115CEC}" type="datetime1">
               <a:rPr lang="nl-BE" smtClean="0"/>
-              <a:t>13/05/2025</a:t>
+              <a:t>18/05/2025</a:t>
             </a:fld>
             <a:endParaRPr lang="nl-BE"/>
           </a:p>
@@ -1405,7 +1411,7 @@
           <a:p>
             <a:fld id="{02B84EFA-B363-4043-A12E-44B39EC7D05B}" type="datetime1">
               <a:rPr lang="nl-BE" smtClean="0"/>
-              <a:t>13/05/2025</a:t>
+              <a:t>18/05/2025</a:t>
             </a:fld>
             <a:endParaRPr lang="nl-BE"/>
           </a:p>
@@ -1604,7 +1610,7 @@
           <a:p>
             <a:fld id="{B7AA89A6-C9B9-4556-BC9E-5E3CF3322A33}" type="datetime1">
               <a:rPr lang="nl-BE" smtClean="0"/>
-              <a:t>13/05/2025</a:t>
+              <a:t>18/05/2025</a:t>
             </a:fld>
             <a:endParaRPr lang="nl-BE"/>
           </a:p>
@@ -1855,7 +1861,7 @@
           <a:p>
             <a:fld id="{6CEB42D4-4FBB-465F-AE58-8ADBDBF671C8}" type="datetime1">
               <a:rPr lang="nl-BE" smtClean="0"/>
-              <a:t>13/05/2025</a:t>
+              <a:t>18/05/2025</a:t>
             </a:fld>
             <a:endParaRPr lang="nl-BE"/>
           </a:p>
@@ -2087,7 +2093,7 @@
           <a:p>
             <a:fld id="{64B405D5-C0FD-42E0-9EB1-2670F471B7BB}" type="datetime1">
               <a:rPr lang="nl-BE" smtClean="0"/>
-              <a:t>13/05/2025</a:t>
+              <a:t>18/05/2025</a:t>
             </a:fld>
             <a:endParaRPr lang="nl-BE"/>
           </a:p>
@@ -2454,7 +2460,7 @@
           <a:p>
             <a:fld id="{4CB55C39-C031-448F-A58F-CA88F7B6F786}" type="datetime1">
               <a:rPr lang="nl-BE" smtClean="0"/>
-              <a:t>13/05/2025</a:t>
+              <a:t>18/05/2025</a:t>
             </a:fld>
             <a:endParaRPr lang="nl-BE"/>
           </a:p>
@@ -2572,7 +2578,7 @@
           <a:p>
             <a:fld id="{E29307F5-1DF0-4FFF-91A4-1E1A6A26A94A}" type="datetime1">
               <a:rPr lang="nl-BE" smtClean="0"/>
-              <a:t>13/05/2025</a:t>
+              <a:t>18/05/2025</a:t>
             </a:fld>
             <a:endParaRPr lang="nl-BE"/>
           </a:p>
@@ -2667,7 +2673,7 @@
           <a:p>
             <a:fld id="{00A9168B-A159-4E9D-A6C6-C6786C6AB2EB}" type="datetime1">
               <a:rPr lang="nl-BE" smtClean="0"/>
-              <a:t>13/05/2025</a:t>
+              <a:t>18/05/2025</a:t>
             </a:fld>
             <a:endParaRPr lang="nl-BE"/>
           </a:p>
@@ -2944,7 +2950,7 @@
           <a:p>
             <a:fld id="{E9D22159-AF82-4D23-BC06-D4277BDD9BAD}" type="datetime1">
               <a:rPr lang="nl-BE" smtClean="0"/>
-              <a:t>13/05/2025</a:t>
+              <a:t>18/05/2025</a:t>
             </a:fld>
             <a:endParaRPr lang="nl-BE"/>
           </a:p>
@@ -3197,7 +3203,7 @@
           <a:p>
             <a:fld id="{D08A7014-C292-4E4F-926C-1A31F538B52A}" type="datetime1">
               <a:rPr lang="nl-BE" smtClean="0"/>
-              <a:t>13/05/2025</a:t>
+              <a:t>18/05/2025</a:t>
             </a:fld>
             <a:endParaRPr lang="nl-BE"/>
           </a:p>
@@ -3410,7 +3416,7 @@
           <a:p>
             <a:fld id="{E9CC7161-F687-474C-905A-3CCBBA535086}" type="datetime1">
               <a:rPr lang="nl-BE" smtClean="0"/>
-              <a:t>13/05/2025</a:t>
+              <a:t>18/05/2025</a:t>
             </a:fld>
             <a:endParaRPr lang="nl-BE"/>
           </a:p>
@@ -4146,7 +4152,7 @@
           <a:p>
             <a:r>
               <a:rPr lang="en-US" noProof="0" dirty="0"/>
-              <a:t>Back to work!</a:t>
+              <a:t>Unsupervised learning</a:t>
             </a:r>
           </a:p>
         </p:txBody>
@@ -4174,68 +4180,60 @@
           <a:p>
             <a:r>
               <a:rPr lang="en-US" noProof="0" dirty="0"/>
-              <a:t>As said before, this slide is available as a notebook.</a:t>
-            </a:r>
-            <a:endParaRPr lang="en-US" dirty="0"/>
-          </a:p>
-          <a:p>
+              <a:t>Finds patterns in data</a:t>
+            </a:r>
+          </a:p>
+          <a:p>
+            <a:pPr lvl="1"/>
+            <a:r>
+              <a:rPr lang="en-US" dirty="0"/>
+              <a:t>Clustering customers by their purchases</a:t>
+            </a:r>
+          </a:p>
+          <a:p>
+            <a:pPr lvl="1"/>
             <a:r>
               <a:rPr lang="en-US" noProof="0" dirty="0"/>
-              <a:t>After that we’ll use </a:t>
-            </a:r>
-            <a:r>
-              <a:rPr lang="en-US" noProof="0" dirty="0" err="1"/>
-              <a:t>PyCaret</a:t>
-            </a:r>
-            <a:endParaRPr lang="en-US" noProof="0" dirty="0"/>
+              <a:t>Compressing data </a:t>
+            </a:r>
+            <a:r>
+              <a:rPr lang="en-US" dirty="0"/>
+              <a:t>using these purchase patterns</a:t>
+            </a:r>
+          </a:p>
+          <a:p>
+            <a:r>
+              <a:rPr lang="en-US" noProof="0" dirty="0"/>
+              <a:t>Supervised: predict something</a:t>
+            </a:r>
           </a:p>
           <a:p>
             <a:pPr lvl="1"/>
             <a:r>
               <a:rPr lang="en-US" dirty="0"/>
-              <a:t>Give it some data</a:t>
+              <a:t>Will the student pass?</a:t>
             </a:r>
           </a:p>
           <a:p>
             <a:pPr lvl="1"/>
             <a:r>
-              <a:rPr lang="en-US" dirty="0" err="1"/>
-              <a:t>PyCaret</a:t>
-            </a:r>
+              <a:rPr lang="en-US" noProof="0" dirty="0"/>
+              <a:t>Is the transaction fraudulent?</a:t>
+            </a:r>
+          </a:p>
+          <a:p>
             <a:r>
               <a:rPr lang="en-US" dirty="0"/>
-              <a:t> creates a bunch of models for us</a:t>
-            </a:r>
-          </a:p>
-          <a:p>
-            <a:pPr lvl="1"/>
-            <a:r>
-              <a:rPr lang="en-US" noProof="0" dirty="0"/>
-              <a:t>We check the parameters an</a:t>
+              <a:t>Unsupervised: find patterns </a:t>
+            </a:r>
+            <a:r>
+              <a:rPr lang="en-US" b="1" dirty="0"/>
+              <a:t>without</a:t>
             </a:r>
             <a:r>
               <a:rPr lang="en-US" dirty="0"/>
-              <a:t>d decide which we want to use</a:t>
-            </a:r>
-          </a:p>
-          <a:p>
-            <a:r>
-              <a:rPr lang="en-US" noProof="0" dirty="0"/>
-              <a:t>But first we need to install </a:t>
-            </a:r>
-            <a:r>
-              <a:rPr lang="en-US" dirty="0" err="1"/>
-              <a:t>PyCaret</a:t>
-            </a:r>
-            <a:r>
-              <a:rPr lang="en-US" dirty="0"/>
-              <a:t>, which </a:t>
-            </a:r>
-            <a:r>
-              <a:rPr lang="en-US"/>
-              <a:t>is tricky</a:t>
-            </a:r>
-            <a:endParaRPr lang="en-US" noProof="0" dirty="0"/>
+              <a:t> a prediction task in mind</a:t>
+            </a:r>
           </a:p>
         </p:txBody>
       </p:sp>
@@ -4273,6 +4271,1167 @@
     <p:extLst>
       <p:ext uri="{BB962C8B-B14F-4D97-AF65-F5344CB8AC3E}">
         <p14:creationId xmlns:p14="http://schemas.microsoft.com/office/powerpoint/2010/main" val="659858190"/>
+      </p:ext>
+    </p:extLst>
+  </p:cSld>
+  <p:clrMapOvr>
+    <a:masterClrMapping/>
+  </p:clrMapOvr>
+</p:sld>
+</file>
+
+<file path=ppt/slides/slide3.xml><?xml version="1.0" encoding="utf-8"?>
+<p:sld xmlns:a="http://schemas.openxmlformats.org/drawingml/2006/main" xmlns:r="http://schemas.openxmlformats.org/officeDocument/2006/relationships" xmlns:p="http://schemas.openxmlformats.org/presentationml/2006/main">
+  <p:cSld>
+    <p:spTree>
+      <p:nvGrpSpPr>
+        <p:cNvPr id="1" name=""/>
+        <p:cNvGrpSpPr/>
+        <p:nvPr/>
+      </p:nvGrpSpPr>
+      <p:grpSpPr>
+        <a:xfrm>
+          <a:off x="0" y="0"/>
+          <a:ext cx="0" cy="0"/>
+          <a:chOff x="0" y="0"/>
+          <a:chExt cx="0" cy="0"/>
+        </a:xfrm>
+      </p:grpSpPr>
+      <p:sp>
+        <p:nvSpPr>
+          <p:cNvPr id="2" name="Title 1">
+            <a:extLst>
+              <a:ext uri="{FF2B5EF4-FFF2-40B4-BE49-F238E27FC236}">
+                <a16:creationId xmlns:a16="http://schemas.microsoft.com/office/drawing/2014/main" id="{128140D7-539A-6759-3F81-ECD34FE8A331}"/>
+              </a:ext>
+            </a:extLst>
+          </p:cNvPr>
+          <p:cNvSpPr>
+            <a:spLocks noGrp="1"/>
+          </p:cNvSpPr>
+          <p:nvPr>
+            <p:ph type="title"/>
+          </p:nvPr>
+        </p:nvSpPr>
+        <p:spPr/>
+        <p:txBody>
+          <a:bodyPr/>
+          <a:lstStyle/>
+          <a:p>
+            <a:r>
+              <a:rPr lang="en-US" noProof="0" dirty="0"/>
+              <a:t>Unsupervised learning</a:t>
+            </a:r>
+            <a:endParaRPr lang="en-US" dirty="0"/>
+          </a:p>
+        </p:txBody>
+      </p:sp>
+      <p:sp>
+        <p:nvSpPr>
+          <p:cNvPr id="3" name="Content Placeholder 2">
+            <a:extLst>
+              <a:ext uri="{FF2B5EF4-FFF2-40B4-BE49-F238E27FC236}">
+                <a16:creationId xmlns:a16="http://schemas.microsoft.com/office/drawing/2014/main" id="{3334AD15-6527-0E3F-929D-A2565FFEA813}"/>
+              </a:ext>
+            </a:extLst>
+          </p:cNvPr>
+          <p:cNvSpPr>
+            <a:spLocks noGrp="1"/>
+          </p:cNvSpPr>
+          <p:nvPr>
+            <p:ph idx="1"/>
+          </p:nvPr>
+        </p:nvSpPr>
+        <p:spPr>
+          <a:xfrm>
+            <a:off x="582704" y="1550894"/>
+            <a:ext cx="5047533" cy="4626069"/>
+          </a:xfrm>
+        </p:spPr>
+        <p:txBody>
+          <a:bodyPr/>
+          <a:lstStyle/>
+          <a:p>
+            <a:r>
+              <a:rPr lang="en-US" dirty="0"/>
+              <a:t>What clustering does is best visualized in a 2D-scatterplot</a:t>
+            </a:r>
+          </a:p>
+          <a:p>
+            <a:r>
+              <a:rPr lang="en-US" dirty="0"/>
+              <a:t>We as humans can look at this and see 2 distinct groups</a:t>
+            </a:r>
+          </a:p>
+          <a:p>
+            <a:r>
+              <a:rPr lang="en-US" dirty="0"/>
+              <a:t>Unsupervised learning allows a model to do the same</a:t>
+            </a:r>
+          </a:p>
+          <a:p>
+            <a:pPr lvl="1"/>
+            <a:r>
+              <a:rPr lang="en-US" dirty="0"/>
+              <a:t>But also in more dimensions, which is where things get difficult for humans</a:t>
+            </a:r>
+          </a:p>
+        </p:txBody>
+      </p:sp>
+      <p:sp>
+        <p:nvSpPr>
+          <p:cNvPr id="4" name="Slide Number Placeholder 3">
+            <a:extLst>
+              <a:ext uri="{FF2B5EF4-FFF2-40B4-BE49-F238E27FC236}">
+                <a16:creationId xmlns:a16="http://schemas.microsoft.com/office/drawing/2014/main" id="{237DE2EA-6B17-32E6-DB10-2ABA2BE27CC3}"/>
+              </a:ext>
+            </a:extLst>
+          </p:cNvPr>
+          <p:cNvSpPr>
+            <a:spLocks noGrp="1"/>
+          </p:cNvSpPr>
+          <p:nvPr>
+            <p:ph type="sldNum" sz="quarter" idx="12"/>
+          </p:nvPr>
+        </p:nvSpPr>
+        <p:spPr/>
+        <p:txBody>
+          <a:bodyPr/>
+          <a:lstStyle/>
+          <a:p>
+            <a:fld id="{FE1B3154-47D9-4402-8EDB-E791933DC0B9}" type="slidenum">
+              <a:rPr lang="nl-BE" smtClean="0"/>
+              <a:pPr/>
+              <a:t>3</a:t>
+            </a:fld>
+            <a:endParaRPr lang="nl-BE"/>
+          </a:p>
+        </p:txBody>
+      </p:sp>
+      <p:pic>
+        <p:nvPicPr>
+          <p:cNvPr id="6" name="Picture 5">
+            <a:extLst>
+              <a:ext uri="{FF2B5EF4-FFF2-40B4-BE49-F238E27FC236}">
+                <a16:creationId xmlns:a16="http://schemas.microsoft.com/office/drawing/2014/main" id="{2683339E-20F5-906D-957B-068521971D3A}"/>
+              </a:ext>
+            </a:extLst>
+          </p:cNvPr>
+          <p:cNvPicPr>
+            <a:picLocks noChangeAspect="1"/>
+          </p:cNvPicPr>
+          <p:nvPr/>
+        </p:nvPicPr>
+        <p:blipFill>
+          <a:blip r:embed="rId2"/>
+          <a:stretch>
+            <a:fillRect/>
+          </a:stretch>
+        </p:blipFill>
+        <p:spPr>
+          <a:xfrm>
+            <a:off x="5630238" y="1464527"/>
+            <a:ext cx="6561762" cy="5216064"/>
+          </a:xfrm>
+          <a:prstGeom prst="rect">
+            <a:avLst/>
+          </a:prstGeom>
+        </p:spPr>
+      </p:pic>
+    </p:spTree>
+    <p:extLst>
+      <p:ext uri="{BB962C8B-B14F-4D97-AF65-F5344CB8AC3E}">
+        <p14:creationId xmlns:p14="http://schemas.microsoft.com/office/powerpoint/2010/main" val="1524366387"/>
+      </p:ext>
+    </p:extLst>
+  </p:cSld>
+  <p:clrMapOvr>
+    <a:masterClrMapping/>
+  </p:clrMapOvr>
+</p:sld>
+</file>
+
+<file path=ppt/slides/slide4.xml><?xml version="1.0" encoding="utf-8"?>
+<p:sld xmlns:a="http://schemas.openxmlformats.org/drawingml/2006/main" xmlns:r="http://schemas.openxmlformats.org/officeDocument/2006/relationships" xmlns:p="http://schemas.openxmlformats.org/presentationml/2006/main">
+  <p:cSld>
+    <p:spTree>
+      <p:nvGrpSpPr>
+        <p:cNvPr id="1" name=""/>
+        <p:cNvGrpSpPr/>
+        <p:nvPr/>
+      </p:nvGrpSpPr>
+      <p:grpSpPr>
+        <a:xfrm>
+          <a:off x="0" y="0"/>
+          <a:ext cx="0" cy="0"/>
+          <a:chOff x="0" y="0"/>
+          <a:chExt cx="0" cy="0"/>
+        </a:xfrm>
+      </p:grpSpPr>
+      <p:sp>
+        <p:nvSpPr>
+          <p:cNvPr id="2" name="Title 1">
+            <a:extLst>
+              <a:ext uri="{FF2B5EF4-FFF2-40B4-BE49-F238E27FC236}">
+                <a16:creationId xmlns:a16="http://schemas.microsoft.com/office/drawing/2014/main" id="{6ED3FE9A-8359-74AE-218C-A7954ED774ED}"/>
+              </a:ext>
+            </a:extLst>
+          </p:cNvPr>
+          <p:cNvSpPr>
+            <a:spLocks noGrp="1"/>
+          </p:cNvSpPr>
+          <p:nvPr>
+            <p:ph type="title"/>
+          </p:nvPr>
+        </p:nvSpPr>
+        <p:spPr>
+          <a:xfrm>
+            <a:off x="582706" y="365125"/>
+            <a:ext cx="10771094" cy="920015"/>
+          </a:xfrm>
+        </p:spPr>
+        <p:txBody>
+          <a:bodyPr anchor="ctr">
+            <a:normAutofit/>
+          </a:bodyPr>
+          <a:lstStyle/>
+          <a:p>
+            <a:r>
+              <a:rPr lang="en-US" dirty="0" err="1"/>
+              <a:t>KMeans</a:t>
+            </a:r>
+            <a:endParaRPr lang="en-US" dirty="0"/>
+          </a:p>
+        </p:txBody>
+      </p:sp>
+      <p:pic>
+        <p:nvPicPr>
+          <p:cNvPr id="6" name="Picture 5">
+            <a:extLst>
+              <a:ext uri="{FF2B5EF4-FFF2-40B4-BE49-F238E27FC236}">
+                <a16:creationId xmlns:a16="http://schemas.microsoft.com/office/drawing/2014/main" id="{F43636F3-C135-7679-1856-1C29259F59E0}"/>
+              </a:ext>
+            </a:extLst>
+          </p:cNvPr>
+          <p:cNvPicPr>
+            <a:picLocks noChangeAspect="1"/>
+          </p:cNvPicPr>
+          <p:nvPr/>
+        </p:nvPicPr>
+        <p:blipFill>
+          <a:blip r:embed="rId2"/>
+          <a:stretch>
+            <a:fillRect/>
+          </a:stretch>
+        </p:blipFill>
+        <p:spPr>
+          <a:xfrm>
+            <a:off x="233385" y="1392393"/>
+            <a:ext cx="3383119" cy="2706494"/>
+          </a:xfrm>
+          <a:prstGeom prst="rect">
+            <a:avLst/>
+          </a:prstGeom>
+          <a:noFill/>
+        </p:spPr>
+      </p:pic>
+      <p:sp>
+        <p:nvSpPr>
+          <p:cNvPr id="3" name="Content Placeholder 2">
+            <a:extLst>
+              <a:ext uri="{FF2B5EF4-FFF2-40B4-BE49-F238E27FC236}">
+                <a16:creationId xmlns:a16="http://schemas.microsoft.com/office/drawing/2014/main" id="{E20C2C70-059E-3815-703A-368A733D1B9B}"/>
+              </a:ext>
+            </a:extLst>
+          </p:cNvPr>
+          <p:cNvSpPr>
+            <a:spLocks noGrp="1"/>
+          </p:cNvSpPr>
+          <p:nvPr>
+            <p:ph sz="half" idx="2"/>
+          </p:nvPr>
+        </p:nvSpPr>
+        <p:spPr>
+          <a:xfrm>
+            <a:off x="3976099" y="1825625"/>
+            <a:ext cx="7377701" cy="4351338"/>
+          </a:xfrm>
+        </p:spPr>
+        <p:txBody>
+          <a:bodyPr>
+            <a:normAutofit/>
+          </a:bodyPr>
+          <a:lstStyle/>
+          <a:p>
+            <a:r>
+              <a:rPr lang="en-US" dirty="0"/>
+              <a:t>If we train a </a:t>
+            </a:r>
+            <a:r>
+              <a:rPr lang="en-US" dirty="0" err="1"/>
+              <a:t>Kmeans</a:t>
+            </a:r>
+            <a:r>
+              <a:rPr lang="en-US" dirty="0"/>
+              <a:t> clustering model on this data, we get the two groups as in this graph</a:t>
+            </a:r>
+          </a:p>
+          <a:p>
+            <a:r>
+              <a:rPr lang="en-US" dirty="0"/>
+              <a:t>The blue diamonds are the </a:t>
+            </a:r>
+            <a:r>
+              <a:rPr lang="en-US" dirty="0" err="1"/>
+              <a:t>centerpoints</a:t>
+            </a:r>
+            <a:r>
+              <a:rPr lang="en-US" dirty="0"/>
+              <a:t>, all datapoints or divided based on their distance to these center points</a:t>
+            </a:r>
+          </a:p>
+          <a:p>
+            <a:r>
+              <a:rPr lang="en-US" dirty="0"/>
+              <a:t>We can tell the model how many groups we want it to make</a:t>
+            </a:r>
+          </a:p>
+          <a:p>
+            <a:r>
+              <a:rPr lang="en-US" dirty="0"/>
+              <a:t>It will make the most logical grouping based on that number</a:t>
+            </a:r>
+          </a:p>
+        </p:txBody>
+      </p:sp>
+      <p:sp>
+        <p:nvSpPr>
+          <p:cNvPr id="4" name="Slide Number Placeholder 3">
+            <a:extLst>
+              <a:ext uri="{FF2B5EF4-FFF2-40B4-BE49-F238E27FC236}">
+                <a16:creationId xmlns:a16="http://schemas.microsoft.com/office/drawing/2014/main" id="{222ADE4A-C444-0133-9B6D-C13DEDAD47F2}"/>
+              </a:ext>
+            </a:extLst>
+          </p:cNvPr>
+          <p:cNvSpPr>
+            <a:spLocks noGrp="1"/>
+          </p:cNvSpPr>
+          <p:nvPr>
+            <p:ph type="sldNum" sz="quarter" idx="12"/>
+          </p:nvPr>
+        </p:nvSpPr>
+        <p:spPr>
+          <a:xfrm>
+            <a:off x="9130553" y="6356350"/>
+            <a:ext cx="2743200" cy="365125"/>
+          </a:xfrm>
+        </p:spPr>
+        <p:txBody>
+          <a:bodyPr anchor="ctr">
+            <a:normAutofit/>
+          </a:bodyPr>
+          <a:lstStyle/>
+          <a:p>
+            <a:pPr>
+              <a:spcAft>
+                <a:spcPts val="600"/>
+              </a:spcAft>
+            </a:pPr>
+            <a:fld id="{FE1B3154-47D9-4402-8EDB-E791933DC0B9}" type="slidenum">
+              <a:rPr lang="nl-BE" smtClean="0"/>
+              <a:pPr>
+                <a:spcAft>
+                  <a:spcPts val="600"/>
+                </a:spcAft>
+              </a:pPr>
+              <a:t>4</a:t>
+            </a:fld>
+            <a:endParaRPr lang="nl-BE"/>
+          </a:p>
+        </p:txBody>
+      </p:sp>
+      <p:pic>
+        <p:nvPicPr>
+          <p:cNvPr id="8" name="Picture 7">
+            <a:extLst>
+              <a:ext uri="{FF2B5EF4-FFF2-40B4-BE49-F238E27FC236}">
+                <a16:creationId xmlns:a16="http://schemas.microsoft.com/office/drawing/2014/main" id="{B52D552D-FC16-556D-DE37-12DE74297709}"/>
+              </a:ext>
+            </a:extLst>
+          </p:cNvPr>
+          <p:cNvPicPr>
+            <a:picLocks noChangeAspect="1"/>
+          </p:cNvPicPr>
+          <p:nvPr/>
+        </p:nvPicPr>
+        <p:blipFill>
+          <a:blip r:embed="rId3"/>
+          <a:stretch>
+            <a:fillRect/>
+          </a:stretch>
+        </p:blipFill>
+        <p:spPr>
+          <a:xfrm>
+            <a:off x="331643" y="4098887"/>
+            <a:ext cx="3284861" cy="2630269"/>
+          </a:xfrm>
+          <a:prstGeom prst="rect">
+            <a:avLst/>
+          </a:prstGeom>
+        </p:spPr>
+      </p:pic>
+    </p:spTree>
+    <p:extLst>
+      <p:ext uri="{BB962C8B-B14F-4D97-AF65-F5344CB8AC3E}">
+        <p14:creationId xmlns:p14="http://schemas.microsoft.com/office/powerpoint/2010/main" val="1082388537"/>
+      </p:ext>
+    </p:extLst>
+  </p:cSld>
+  <p:clrMapOvr>
+    <a:masterClrMapping/>
+  </p:clrMapOvr>
+</p:sld>
+</file>
+
+<file path=ppt/slides/slide5.xml><?xml version="1.0" encoding="utf-8"?>
+<p:sld xmlns:a="http://schemas.openxmlformats.org/drawingml/2006/main" xmlns:r="http://schemas.openxmlformats.org/officeDocument/2006/relationships" xmlns:p="http://schemas.openxmlformats.org/presentationml/2006/main">
+  <p:cSld>
+    <p:spTree>
+      <p:nvGrpSpPr>
+        <p:cNvPr id="1" name=""/>
+        <p:cNvGrpSpPr/>
+        <p:nvPr/>
+      </p:nvGrpSpPr>
+      <p:grpSpPr>
+        <a:xfrm>
+          <a:off x="0" y="0"/>
+          <a:ext cx="0" cy="0"/>
+          <a:chOff x="0" y="0"/>
+          <a:chExt cx="0" cy="0"/>
+        </a:xfrm>
+      </p:grpSpPr>
+      <p:sp>
+        <p:nvSpPr>
+          <p:cNvPr id="2" name="Title 1">
+            <a:extLst>
+              <a:ext uri="{FF2B5EF4-FFF2-40B4-BE49-F238E27FC236}">
+                <a16:creationId xmlns:a16="http://schemas.microsoft.com/office/drawing/2014/main" id="{3B6A422C-EA15-27EE-8104-9E473918A607}"/>
+              </a:ext>
+            </a:extLst>
+          </p:cNvPr>
+          <p:cNvSpPr>
+            <a:spLocks noGrp="1"/>
+          </p:cNvSpPr>
+          <p:nvPr>
+            <p:ph type="title"/>
+          </p:nvPr>
+        </p:nvSpPr>
+        <p:spPr/>
+        <p:txBody>
+          <a:bodyPr/>
+          <a:lstStyle/>
+          <a:p>
+            <a:r>
+              <a:rPr lang="en-US" dirty="0"/>
+              <a:t>Inference</a:t>
+            </a:r>
+          </a:p>
+        </p:txBody>
+      </p:sp>
+      <p:sp>
+        <p:nvSpPr>
+          <p:cNvPr id="6" name="Content Placeholder 5">
+            <a:extLst>
+              <a:ext uri="{FF2B5EF4-FFF2-40B4-BE49-F238E27FC236}">
+                <a16:creationId xmlns:a16="http://schemas.microsoft.com/office/drawing/2014/main" id="{AA757149-01DB-7664-8256-C80AC675301C}"/>
+              </a:ext>
+            </a:extLst>
+          </p:cNvPr>
+          <p:cNvSpPr>
+            <a:spLocks noGrp="1"/>
+          </p:cNvSpPr>
+          <p:nvPr>
+            <p:ph idx="1"/>
+          </p:nvPr>
+        </p:nvSpPr>
+        <p:spPr/>
+        <p:txBody>
+          <a:bodyPr/>
+          <a:lstStyle/>
+          <a:p>
+            <a:r>
+              <a:rPr lang="en-US" dirty="0"/>
+              <a:t>After training a supervised model you can do inference: apply the model to new, unseen data</a:t>
+            </a:r>
+          </a:p>
+          <a:p>
+            <a:r>
+              <a:rPr lang="en-US" dirty="0"/>
+              <a:t>This can also be done with an unsupervised model</a:t>
+            </a:r>
+          </a:p>
+          <a:p>
+            <a:r>
+              <a:rPr lang="en-US" dirty="0"/>
+              <a:t>It means that you provide new data to this model and the model decides which category the new data belongs to</a:t>
+            </a:r>
+          </a:p>
+        </p:txBody>
+      </p:sp>
+      <p:sp>
+        <p:nvSpPr>
+          <p:cNvPr id="5" name="Slide Number Placeholder 4">
+            <a:extLst>
+              <a:ext uri="{FF2B5EF4-FFF2-40B4-BE49-F238E27FC236}">
+                <a16:creationId xmlns:a16="http://schemas.microsoft.com/office/drawing/2014/main" id="{DD2F317F-B4CE-FDA5-02A2-DB46561D6194}"/>
+              </a:ext>
+            </a:extLst>
+          </p:cNvPr>
+          <p:cNvSpPr>
+            <a:spLocks noGrp="1"/>
+          </p:cNvSpPr>
+          <p:nvPr>
+            <p:ph type="sldNum" sz="quarter" idx="12"/>
+          </p:nvPr>
+        </p:nvSpPr>
+        <p:spPr/>
+        <p:txBody>
+          <a:bodyPr/>
+          <a:lstStyle/>
+          <a:p>
+            <a:fld id="{B105FAA3-C3E4-40D0-B2B7-65B62F79F625}" type="slidenum">
+              <a:rPr lang="nl-BE" smtClean="0"/>
+              <a:t>5</a:t>
+            </a:fld>
+            <a:endParaRPr lang="nl-BE"/>
+          </a:p>
+        </p:txBody>
+      </p:sp>
+    </p:spTree>
+    <p:extLst>
+      <p:ext uri="{BB962C8B-B14F-4D97-AF65-F5344CB8AC3E}">
+        <p14:creationId xmlns:p14="http://schemas.microsoft.com/office/powerpoint/2010/main" val="2038763131"/>
+      </p:ext>
+    </p:extLst>
+  </p:cSld>
+  <p:clrMapOvr>
+    <a:masterClrMapping/>
+  </p:clrMapOvr>
+</p:sld>
+</file>
+
+<file path=ppt/slides/slide6.xml><?xml version="1.0" encoding="utf-8"?>
+<p:sld xmlns:a="http://schemas.openxmlformats.org/drawingml/2006/main" xmlns:r="http://schemas.openxmlformats.org/officeDocument/2006/relationships" xmlns:p="http://schemas.openxmlformats.org/presentationml/2006/main">
+  <p:cSld>
+    <p:spTree>
+      <p:nvGrpSpPr>
+        <p:cNvPr id="1" name=""/>
+        <p:cNvGrpSpPr/>
+        <p:nvPr/>
+      </p:nvGrpSpPr>
+      <p:grpSpPr>
+        <a:xfrm>
+          <a:off x="0" y="0"/>
+          <a:ext cx="0" cy="0"/>
+          <a:chOff x="0" y="0"/>
+          <a:chExt cx="0" cy="0"/>
+        </a:xfrm>
+      </p:grpSpPr>
+      <p:pic>
+        <p:nvPicPr>
+          <p:cNvPr id="6" name="Picture 5" descr="A diagram of a flower&#10;&#10;AI-generated content may be incorrect.">
+            <a:extLst>
+              <a:ext uri="{FF2B5EF4-FFF2-40B4-BE49-F238E27FC236}">
+                <a16:creationId xmlns:a16="http://schemas.microsoft.com/office/drawing/2014/main" id="{4C92BC05-329F-5918-715B-9D968C6E381C}"/>
+              </a:ext>
+            </a:extLst>
+          </p:cNvPr>
+          <p:cNvPicPr>
+            <a:picLocks noChangeAspect="1"/>
+          </p:cNvPicPr>
+          <p:nvPr/>
+        </p:nvPicPr>
+        <p:blipFill>
+          <a:blip r:embed="rId2">
+            <a:extLst>
+              <a:ext uri="{28A0092B-C50C-407E-A947-70E740481C1C}">
+                <a14:useLocalDpi xmlns:a14="http://schemas.microsoft.com/office/drawing/2010/main" val="0"/>
+              </a:ext>
+            </a:extLst>
+          </a:blip>
+          <a:stretch>
+            <a:fillRect/>
+          </a:stretch>
+        </p:blipFill>
+        <p:spPr>
+          <a:xfrm>
+            <a:off x="7925757" y="2028453"/>
+            <a:ext cx="4163753" cy="3766172"/>
+          </a:xfrm>
+          <a:prstGeom prst="rect">
+            <a:avLst/>
+          </a:prstGeom>
+        </p:spPr>
+      </p:pic>
+      <p:sp>
+        <p:nvSpPr>
+          <p:cNvPr id="2" name="Title 1">
+            <a:extLst>
+              <a:ext uri="{FF2B5EF4-FFF2-40B4-BE49-F238E27FC236}">
+                <a16:creationId xmlns:a16="http://schemas.microsoft.com/office/drawing/2014/main" id="{CFE99E51-A40F-856F-440F-BE6B74D37530}"/>
+              </a:ext>
+            </a:extLst>
+          </p:cNvPr>
+          <p:cNvSpPr>
+            <a:spLocks noGrp="1"/>
+          </p:cNvSpPr>
+          <p:nvPr>
+            <p:ph type="title"/>
+          </p:nvPr>
+        </p:nvSpPr>
+        <p:spPr/>
+        <p:txBody>
+          <a:bodyPr/>
+          <a:lstStyle/>
+          <a:p>
+            <a:r>
+              <a:rPr lang="en-US" dirty="0"/>
+              <a:t>Predicting the Iris-dataset</a:t>
+            </a:r>
+          </a:p>
+        </p:txBody>
+      </p:sp>
+      <p:sp>
+        <p:nvSpPr>
+          <p:cNvPr id="3" name="Content Placeholder 2">
+            <a:extLst>
+              <a:ext uri="{FF2B5EF4-FFF2-40B4-BE49-F238E27FC236}">
+                <a16:creationId xmlns:a16="http://schemas.microsoft.com/office/drawing/2014/main" id="{D2E2A2C4-A093-75EC-108B-05FB586F178F}"/>
+              </a:ext>
+            </a:extLst>
+          </p:cNvPr>
+          <p:cNvSpPr>
+            <a:spLocks noGrp="1"/>
+          </p:cNvSpPr>
+          <p:nvPr>
+            <p:ph idx="1"/>
+          </p:nvPr>
+        </p:nvSpPr>
+        <p:spPr/>
+        <p:txBody>
+          <a:bodyPr/>
+          <a:lstStyle/>
+          <a:p>
+            <a:r>
+              <a:rPr lang="en-US" dirty="0"/>
+              <a:t>The Iris-dataset is a dataset containing the with and length of de sepals and petals of three types of irises</a:t>
+            </a:r>
+          </a:p>
+          <a:p>
+            <a:r>
+              <a:rPr lang="en-US" dirty="0"/>
+              <a:t>What happens if we build a cluster on this,</a:t>
+            </a:r>
+            <a:br>
+              <a:rPr lang="en-US" dirty="0"/>
+            </a:br>
+            <a:r>
+              <a:rPr lang="en-US" dirty="0"/>
+              <a:t>telling the model to create 3 groups in the data?</a:t>
+            </a:r>
+          </a:p>
+          <a:p>
+            <a:r>
+              <a:rPr lang="en-US" dirty="0"/>
+              <a:t>The model gets category 0 right</a:t>
+            </a:r>
+          </a:p>
+          <a:p>
+            <a:r>
+              <a:rPr lang="en-US" dirty="0"/>
+              <a:t>It has difficulty with the other two</a:t>
+            </a:r>
+          </a:p>
+          <a:p>
+            <a:endParaRPr lang="en-US" dirty="0"/>
+          </a:p>
+        </p:txBody>
+      </p:sp>
+      <p:sp>
+        <p:nvSpPr>
+          <p:cNvPr id="4" name="Slide Number Placeholder 3">
+            <a:extLst>
+              <a:ext uri="{FF2B5EF4-FFF2-40B4-BE49-F238E27FC236}">
+                <a16:creationId xmlns:a16="http://schemas.microsoft.com/office/drawing/2014/main" id="{01B6EDB9-D34C-B6EE-BF51-DB318A3BB4DE}"/>
+              </a:ext>
+            </a:extLst>
+          </p:cNvPr>
+          <p:cNvSpPr>
+            <a:spLocks noGrp="1"/>
+          </p:cNvSpPr>
+          <p:nvPr>
+            <p:ph type="sldNum" sz="quarter" idx="12"/>
+          </p:nvPr>
+        </p:nvSpPr>
+        <p:spPr/>
+        <p:txBody>
+          <a:bodyPr/>
+          <a:lstStyle/>
+          <a:p>
+            <a:fld id="{FE1B3154-47D9-4402-8EDB-E791933DC0B9}" type="slidenum">
+              <a:rPr lang="nl-BE" smtClean="0"/>
+              <a:pPr/>
+              <a:t>6</a:t>
+            </a:fld>
+            <a:endParaRPr lang="nl-BE"/>
+          </a:p>
+        </p:txBody>
+      </p:sp>
+      <p:pic>
+        <p:nvPicPr>
+          <p:cNvPr id="8" name="Picture 7">
+            <a:extLst>
+              <a:ext uri="{FF2B5EF4-FFF2-40B4-BE49-F238E27FC236}">
+                <a16:creationId xmlns:a16="http://schemas.microsoft.com/office/drawing/2014/main" id="{1022BD5A-2980-93C3-0CF8-C4BAA73C34B5}"/>
+              </a:ext>
+            </a:extLst>
+          </p:cNvPr>
+          <p:cNvPicPr>
+            <a:picLocks noChangeAspect="1"/>
+          </p:cNvPicPr>
+          <p:nvPr/>
+        </p:nvPicPr>
+        <p:blipFill>
+          <a:blip r:embed="rId3"/>
+          <a:stretch>
+            <a:fillRect/>
+          </a:stretch>
+        </p:blipFill>
+        <p:spPr>
+          <a:xfrm>
+            <a:off x="2591913" y="4391783"/>
+            <a:ext cx="2689003" cy="2050934"/>
+          </a:xfrm>
+          <a:prstGeom prst="rect">
+            <a:avLst/>
+          </a:prstGeom>
+        </p:spPr>
+      </p:pic>
+    </p:spTree>
+    <p:extLst>
+      <p:ext uri="{BB962C8B-B14F-4D97-AF65-F5344CB8AC3E}">
+        <p14:creationId xmlns:p14="http://schemas.microsoft.com/office/powerpoint/2010/main" val="1273145341"/>
+      </p:ext>
+    </p:extLst>
+  </p:cSld>
+  <p:clrMapOvr>
+    <a:masterClrMapping/>
+  </p:clrMapOvr>
+</p:sld>
+</file>
+
+<file path=ppt/slides/slide7.xml><?xml version="1.0" encoding="utf-8"?>
+<p:sld xmlns:a="http://schemas.openxmlformats.org/drawingml/2006/main" xmlns:r="http://schemas.openxmlformats.org/officeDocument/2006/relationships" xmlns:p="http://schemas.openxmlformats.org/presentationml/2006/main">
+  <p:cSld>
+    <p:spTree>
+      <p:nvGrpSpPr>
+        <p:cNvPr id="1" name=""/>
+        <p:cNvGrpSpPr/>
+        <p:nvPr/>
+      </p:nvGrpSpPr>
+      <p:grpSpPr>
+        <a:xfrm>
+          <a:off x="0" y="0"/>
+          <a:ext cx="0" cy="0"/>
+          <a:chOff x="0" y="0"/>
+          <a:chExt cx="0" cy="0"/>
+        </a:xfrm>
+      </p:grpSpPr>
+      <p:sp>
+        <p:nvSpPr>
+          <p:cNvPr id="2" name="Title 1">
+            <a:extLst>
+              <a:ext uri="{FF2B5EF4-FFF2-40B4-BE49-F238E27FC236}">
+                <a16:creationId xmlns:a16="http://schemas.microsoft.com/office/drawing/2014/main" id="{7FEBA606-782C-F5BD-C05F-B9D23371F769}"/>
+              </a:ext>
+            </a:extLst>
+          </p:cNvPr>
+          <p:cNvSpPr>
+            <a:spLocks noGrp="1"/>
+          </p:cNvSpPr>
+          <p:nvPr>
+            <p:ph type="title"/>
+          </p:nvPr>
+        </p:nvSpPr>
+        <p:spPr/>
+        <p:txBody>
+          <a:bodyPr/>
+          <a:lstStyle/>
+          <a:p>
+            <a:r>
+              <a:rPr lang="en-US" dirty="0"/>
+              <a:t>Unsupervised?</a:t>
+            </a:r>
+          </a:p>
+        </p:txBody>
+      </p:sp>
+      <p:sp>
+        <p:nvSpPr>
+          <p:cNvPr id="3" name="Content Placeholder 2">
+            <a:extLst>
+              <a:ext uri="{FF2B5EF4-FFF2-40B4-BE49-F238E27FC236}">
+                <a16:creationId xmlns:a16="http://schemas.microsoft.com/office/drawing/2014/main" id="{EA5621E7-C917-C6C7-8866-9E41D46F3333}"/>
+              </a:ext>
+            </a:extLst>
+          </p:cNvPr>
+          <p:cNvSpPr>
+            <a:spLocks noGrp="1"/>
+          </p:cNvSpPr>
+          <p:nvPr>
+            <p:ph idx="1"/>
+          </p:nvPr>
+        </p:nvSpPr>
+        <p:spPr/>
+        <p:txBody>
+          <a:bodyPr/>
+          <a:lstStyle/>
+          <a:p>
+            <a:r>
+              <a:rPr lang="en-US" dirty="0"/>
+              <a:t>But wait!</a:t>
+            </a:r>
+          </a:p>
+          <a:p>
+            <a:r>
+              <a:rPr lang="en-US" dirty="0"/>
+              <a:t>We’re predicting the type of iris-flower, and we’re not supposed to be predicting because we are doing unsupervised learning</a:t>
+            </a:r>
+          </a:p>
+          <a:p>
+            <a:r>
+              <a:rPr lang="en-US" dirty="0"/>
+              <a:t>So if we didn’t know how many types of irises there were in the dataset, how many groups would we have made?</a:t>
+            </a:r>
+          </a:p>
+          <a:p>
+            <a:r>
+              <a:rPr lang="en-US" dirty="0"/>
+              <a:t>For this, </a:t>
+            </a:r>
+            <a:r>
+              <a:rPr lang="en-US" b="1" dirty="0"/>
+              <a:t>inertia</a:t>
+            </a:r>
+            <a:r>
+              <a:rPr lang="en-US" dirty="0"/>
+              <a:t> can be used</a:t>
+            </a:r>
+          </a:p>
+          <a:p>
+            <a:pPr lvl="1"/>
+            <a:r>
+              <a:rPr lang="en-US" dirty="0"/>
+              <a:t>It’s a measure for how far the datapoints are from the center of the cluster</a:t>
+            </a:r>
+          </a:p>
+          <a:p>
+            <a:pPr lvl="1"/>
+            <a:r>
+              <a:rPr lang="en-US" dirty="0"/>
+              <a:t>Lower is better</a:t>
+            </a:r>
+          </a:p>
+        </p:txBody>
+      </p:sp>
+      <p:sp>
+        <p:nvSpPr>
+          <p:cNvPr id="4" name="Slide Number Placeholder 3">
+            <a:extLst>
+              <a:ext uri="{FF2B5EF4-FFF2-40B4-BE49-F238E27FC236}">
+                <a16:creationId xmlns:a16="http://schemas.microsoft.com/office/drawing/2014/main" id="{9B8E6C61-1A46-9D2D-CB55-AC615BD6D602}"/>
+              </a:ext>
+            </a:extLst>
+          </p:cNvPr>
+          <p:cNvSpPr>
+            <a:spLocks noGrp="1"/>
+          </p:cNvSpPr>
+          <p:nvPr>
+            <p:ph type="sldNum" sz="quarter" idx="12"/>
+          </p:nvPr>
+        </p:nvSpPr>
+        <p:spPr/>
+        <p:txBody>
+          <a:bodyPr/>
+          <a:lstStyle/>
+          <a:p>
+            <a:fld id="{FE1B3154-47D9-4402-8EDB-E791933DC0B9}" type="slidenum">
+              <a:rPr lang="nl-BE" smtClean="0"/>
+              <a:pPr/>
+              <a:t>7</a:t>
+            </a:fld>
+            <a:endParaRPr lang="nl-BE"/>
+          </a:p>
+        </p:txBody>
+      </p:sp>
+    </p:spTree>
+    <p:extLst>
+      <p:ext uri="{BB962C8B-B14F-4D97-AF65-F5344CB8AC3E}">
+        <p14:creationId xmlns:p14="http://schemas.microsoft.com/office/powerpoint/2010/main" val="2087202676"/>
+      </p:ext>
+    </p:extLst>
+  </p:cSld>
+  <p:clrMapOvr>
+    <a:masterClrMapping/>
+  </p:clrMapOvr>
+</p:sld>
+</file>
+
+<file path=ppt/slides/slide8.xml><?xml version="1.0" encoding="utf-8"?>
+<p:sld xmlns:a="http://schemas.openxmlformats.org/drawingml/2006/main" xmlns:r="http://schemas.openxmlformats.org/officeDocument/2006/relationships" xmlns:p="http://schemas.openxmlformats.org/presentationml/2006/main">
+  <p:cSld>
+    <p:spTree>
+      <p:nvGrpSpPr>
+        <p:cNvPr id="1" name=""/>
+        <p:cNvGrpSpPr/>
+        <p:nvPr/>
+      </p:nvGrpSpPr>
+      <p:grpSpPr>
+        <a:xfrm>
+          <a:off x="0" y="0"/>
+          <a:ext cx="0" cy="0"/>
+          <a:chOff x="0" y="0"/>
+          <a:chExt cx="0" cy="0"/>
+        </a:xfrm>
+      </p:grpSpPr>
+      <p:sp>
+        <p:nvSpPr>
+          <p:cNvPr id="2" name="Title 1">
+            <a:extLst>
+              <a:ext uri="{FF2B5EF4-FFF2-40B4-BE49-F238E27FC236}">
+                <a16:creationId xmlns:a16="http://schemas.microsoft.com/office/drawing/2014/main" id="{CD95F5DA-EB5F-7515-91CA-9B48C15B9F4E}"/>
+              </a:ext>
+            </a:extLst>
+          </p:cNvPr>
+          <p:cNvSpPr>
+            <a:spLocks noGrp="1"/>
+          </p:cNvSpPr>
+          <p:nvPr>
+            <p:ph type="title"/>
+          </p:nvPr>
+        </p:nvSpPr>
+        <p:spPr/>
+        <p:txBody>
+          <a:bodyPr/>
+          <a:lstStyle/>
+          <a:p>
+            <a:r>
+              <a:rPr lang="en-US" dirty="0"/>
+              <a:t>Inertia-plot</a:t>
+            </a:r>
+          </a:p>
+        </p:txBody>
+      </p:sp>
+      <p:sp>
+        <p:nvSpPr>
+          <p:cNvPr id="3" name="Content Placeholder 2">
+            <a:extLst>
+              <a:ext uri="{FF2B5EF4-FFF2-40B4-BE49-F238E27FC236}">
+                <a16:creationId xmlns:a16="http://schemas.microsoft.com/office/drawing/2014/main" id="{9CA260D8-14E4-D993-EB31-43296F509B4C}"/>
+              </a:ext>
+            </a:extLst>
+          </p:cNvPr>
+          <p:cNvSpPr>
+            <a:spLocks noGrp="1"/>
+          </p:cNvSpPr>
+          <p:nvPr>
+            <p:ph idx="1"/>
+          </p:nvPr>
+        </p:nvSpPr>
+        <p:spPr>
+          <a:xfrm>
+            <a:off x="582705" y="1550894"/>
+            <a:ext cx="6067993" cy="4626069"/>
+          </a:xfrm>
+        </p:spPr>
+        <p:txBody>
+          <a:bodyPr/>
+          <a:lstStyle/>
+          <a:p>
+            <a:r>
+              <a:rPr lang="en-US" dirty="0"/>
+              <a:t>When creating models with more clusters, the inertia is definitely going down</a:t>
+            </a:r>
+          </a:p>
+          <a:p>
+            <a:r>
+              <a:rPr lang="en-US" dirty="0"/>
+              <a:t>But the decrease is much bigger in the beginning than it is at the end</a:t>
+            </a:r>
+          </a:p>
+          <a:p>
+            <a:r>
+              <a:rPr lang="en-US" dirty="0"/>
+              <a:t>Ideally speaking, you’d take the elbow as the amount of clusters you’ll make</a:t>
+            </a:r>
+          </a:p>
+          <a:p>
+            <a:r>
+              <a:rPr lang="en-US" dirty="0"/>
+              <a:t>In this case, that would be about 7</a:t>
+            </a:r>
+          </a:p>
+        </p:txBody>
+      </p:sp>
+      <p:sp>
+        <p:nvSpPr>
+          <p:cNvPr id="4" name="Slide Number Placeholder 3">
+            <a:extLst>
+              <a:ext uri="{FF2B5EF4-FFF2-40B4-BE49-F238E27FC236}">
+                <a16:creationId xmlns:a16="http://schemas.microsoft.com/office/drawing/2014/main" id="{E8B29CCD-7D61-3882-1FAB-F18BF7ED11AF}"/>
+              </a:ext>
+            </a:extLst>
+          </p:cNvPr>
+          <p:cNvSpPr>
+            <a:spLocks noGrp="1"/>
+          </p:cNvSpPr>
+          <p:nvPr>
+            <p:ph type="sldNum" sz="quarter" idx="12"/>
+          </p:nvPr>
+        </p:nvSpPr>
+        <p:spPr/>
+        <p:txBody>
+          <a:bodyPr/>
+          <a:lstStyle/>
+          <a:p>
+            <a:fld id="{FE1B3154-47D9-4402-8EDB-E791933DC0B9}" type="slidenum">
+              <a:rPr lang="nl-BE" smtClean="0"/>
+              <a:pPr/>
+              <a:t>8</a:t>
+            </a:fld>
+            <a:endParaRPr lang="nl-BE" dirty="0"/>
+          </a:p>
+        </p:txBody>
+      </p:sp>
+      <p:pic>
+        <p:nvPicPr>
+          <p:cNvPr id="6" name="Picture 5">
+            <a:extLst>
+              <a:ext uri="{FF2B5EF4-FFF2-40B4-BE49-F238E27FC236}">
+                <a16:creationId xmlns:a16="http://schemas.microsoft.com/office/drawing/2014/main" id="{44D0DAB1-7ED7-5E60-BE6A-E3E9DFC40FAC}"/>
+              </a:ext>
+            </a:extLst>
+          </p:cNvPr>
+          <p:cNvPicPr>
+            <a:picLocks noChangeAspect="1"/>
+          </p:cNvPicPr>
+          <p:nvPr/>
+        </p:nvPicPr>
+        <p:blipFill>
+          <a:blip r:embed="rId2"/>
+          <a:stretch>
+            <a:fillRect/>
+          </a:stretch>
+        </p:blipFill>
+        <p:spPr>
+          <a:xfrm>
+            <a:off x="6650698" y="1758609"/>
+            <a:ext cx="5363323" cy="4210638"/>
+          </a:xfrm>
+          <a:prstGeom prst="rect">
+            <a:avLst/>
+          </a:prstGeom>
+        </p:spPr>
+      </p:pic>
+      <p:sp>
+        <p:nvSpPr>
+          <p:cNvPr id="7" name="TextBox 6">
+            <a:extLst>
+              <a:ext uri="{FF2B5EF4-FFF2-40B4-BE49-F238E27FC236}">
+                <a16:creationId xmlns:a16="http://schemas.microsoft.com/office/drawing/2014/main" id="{CB83600E-1A84-CC44-E5D3-0F2D59DEF414}"/>
+              </a:ext>
+            </a:extLst>
+          </p:cNvPr>
+          <p:cNvSpPr txBox="1"/>
+          <p:nvPr/>
+        </p:nvSpPr>
+        <p:spPr>
+          <a:xfrm>
+            <a:off x="8858319" y="4078840"/>
+            <a:ext cx="948080" cy="461665"/>
+          </a:xfrm>
+          <a:prstGeom prst="rect">
+            <a:avLst/>
+          </a:prstGeom>
+          <a:noFill/>
+          <a:ln w="19050">
+            <a:solidFill>
+              <a:srgbClr val="FF0000"/>
+            </a:solidFill>
+          </a:ln>
+        </p:spPr>
+        <p:txBody>
+          <a:bodyPr wrap="none" rtlCol="0">
+            <a:spAutoFit/>
+          </a:bodyPr>
+          <a:lstStyle/>
+          <a:p>
+            <a:r>
+              <a:rPr lang="en-US" sz="2400" dirty="0">
+                <a:solidFill>
+                  <a:srgbClr val="FF0000"/>
+                </a:solidFill>
+              </a:rPr>
+              <a:t>Elbow</a:t>
+            </a:r>
+          </a:p>
+        </p:txBody>
+      </p:sp>
+      <p:cxnSp>
+        <p:nvCxnSpPr>
+          <p:cNvPr id="9" name="Straight Arrow Connector 8">
+            <a:extLst>
+              <a:ext uri="{FF2B5EF4-FFF2-40B4-BE49-F238E27FC236}">
+                <a16:creationId xmlns:a16="http://schemas.microsoft.com/office/drawing/2014/main" id="{35E701BC-8B05-B305-1036-E309FCF07CA3}"/>
+              </a:ext>
+            </a:extLst>
+          </p:cNvPr>
+          <p:cNvCxnSpPr/>
+          <p:nvPr/>
+        </p:nvCxnSpPr>
+        <p:spPr>
+          <a:xfrm flipH="1">
+            <a:off x="8609744" y="4572000"/>
+            <a:ext cx="226031" cy="328773"/>
+          </a:xfrm>
+          <a:prstGeom prst="straightConnector1">
+            <a:avLst/>
+          </a:prstGeom>
+          <a:ln w="15875">
+            <a:solidFill>
+              <a:srgbClr val="FF0000"/>
+            </a:solidFill>
+            <a:tailEnd type="triangle"/>
+          </a:ln>
+        </p:spPr>
+        <p:style>
+          <a:lnRef idx="1">
+            <a:schemeClr val="accent1"/>
+          </a:lnRef>
+          <a:fillRef idx="0">
+            <a:schemeClr val="accent1"/>
+          </a:fillRef>
+          <a:effectRef idx="0">
+            <a:schemeClr val="accent1"/>
+          </a:effectRef>
+          <a:fontRef idx="minor">
+            <a:schemeClr val="tx1"/>
+          </a:fontRef>
+        </p:style>
+      </p:cxnSp>
+    </p:spTree>
+    <p:extLst>
+      <p:ext uri="{BB962C8B-B14F-4D97-AF65-F5344CB8AC3E}">
+        <p14:creationId xmlns:p14="http://schemas.microsoft.com/office/powerpoint/2010/main" val="2637808786"/>
       </p:ext>
     </p:extLst>
   </p:cSld>

--- a/ppts/9 - Unsupervised learning.pptx
+++ b/ppts/9 - Unsupervised learning.pptx
@@ -5,10 +5,10 @@
     <p:sldMasterId id="2147483648" r:id="rId1"/>
   </p:sldMasterIdLst>
   <p:notesMasterIdLst>
-    <p:notesMasterId r:id="rId10"/>
+    <p:notesMasterId r:id="rId15"/>
   </p:notesMasterIdLst>
   <p:handoutMasterIdLst>
-    <p:handoutMasterId r:id="rId11"/>
+    <p:handoutMasterId r:id="rId16"/>
   </p:handoutMasterIdLst>
   <p:sldIdLst>
     <p:sldId id="256" r:id="rId2"/>
@@ -19,11 +19,16 @@
     <p:sldId id="268" r:id="rId7"/>
     <p:sldId id="269" r:id="rId8"/>
     <p:sldId id="270" r:id="rId9"/>
+    <p:sldId id="271" r:id="rId10"/>
+    <p:sldId id="272" r:id="rId11"/>
+    <p:sldId id="274" r:id="rId12"/>
+    <p:sldId id="273" r:id="rId13"/>
+    <p:sldId id="275" r:id="rId14"/>
   </p:sldIdLst>
   <p:sldSz cx="12192000" cy="6858000"/>
   <p:notesSz cx="6858000" cy="9144000"/>
   <p:custDataLst>
-    <p:tags r:id="rId12"/>
+    <p:tags r:id="rId17"/>
   </p:custDataLst>
   <p:defaultTextStyle>
     <a:defPPr>
@@ -237,7 +242,7 @@
           <a:p>
             <a:fld id="{15E4F5CE-CB34-4A0C-9595-867A2C0DB20E}" type="datetimeFigureOut">
               <a:rPr lang="nl-BE" smtClean="0"/>
-              <a:t>18/05/2025</a:t>
+              <a:t>20/05/2025</a:t>
             </a:fld>
             <a:endParaRPr lang="nl-BE"/>
           </a:p>
@@ -414,7 +419,7 @@
           <a:p>
             <a:fld id="{4D53584B-980D-4F7D-BA36-682FCDF648BB}" type="datetimeFigureOut">
               <a:rPr lang="nl-BE" smtClean="0"/>
-              <a:t>18/05/2025</a:t>
+              <a:t>20/05/2025</a:t>
             </a:fld>
             <a:endParaRPr lang="nl-BE"/>
           </a:p>
@@ -766,6 +771,93 @@
 </p:notes>
 </file>
 
+<file path=ppt/notesSlides/notesSlide2.xml><?xml version="1.0" encoding="utf-8"?>
+<p:notes xmlns:a="http://schemas.openxmlformats.org/drawingml/2006/main" xmlns:r="http://schemas.openxmlformats.org/officeDocument/2006/relationships" xmlns:p="http://schemas.openxmlformats.org/presentationml/2006/main">
+  <p:cSld>
+    <p:spTree>
+      <p:nvGrpSpPr>
+        <p:cNvPr id="1" name=""/>
+        <p:cNvGrpSpPr/>
+        <p:nvPr/>
+      </p:nvGrpSpPr>
+      <p:grpSpPr>
+        <a:xfrm>
+          <a:off x="0" y="0"/>
+          <a:ext cx="0" cy="0"/>
+          <a:chOff x="0" y="0"/>
+          <a:chExt cx="0" cy="0"/>
+        </a:xfrm>
+      </p:grpSpPr>
+      <p:sp>
+        <p:nvSpPr>
+          <p:cNvPr id="2" name="Slide Image Placeholder 1"/>
+          <p:cNvSpPr>
+            <a:spLocks noGrp="1" noRot="1" noChangeAspect="1"/>
+          </p:cNvSpPr>
+          <p:nvPr>
+            <p:ph type="sldImg"/>
+          </p:nvPr>
+        </p:nvSpPr>
+        <p:spPr/>
+      </p:sp>
+      <p:sp>
+        <p:nvSpPr>
+          <p:cNvPr id="3" name="Notes Placeholder 2"/>
+          <p:cNvSpPr>
+            <a:spLocks noGrp="1"/>
+          </p:cNvSpPr>
+          <p:nvPr>
+            <p:ph type="body" idx="1"/>
+          </p:nvPr>
+        </p:nvSpPr>
+        <p:spPr/>
+        <p:txBody>
+          <a:bodyPr/>
+          <a:lstStyle/>
+          <a:p>
+            <a:r>
+              <a:rPr lang="en-US" dirty="0"/>
+              <a:t>https://www.geeksforgeeks.org/normalization-and-scaling/</a:t>
+            </a:r>
+          </a:p>
+        </p:txBody>
+      </p:sp>
+      <p:sp>
+        <p:nvSpPr>
+          <p:cNvPr id="4" name="Slide Number Placeholder 3"/>
+          <p:cNvSpPr>
+            <a:spLocks noGrp="1"/>
+          </p:cNvSpPr>
+          <p:nvPr>
+            <p:ph type="sldNum" sz="quarter" idx="5"/>
+          </p:nvPr>
+        </p:nvSpPr>
+        <p:spPr/>
+        <p:txBody>
+          <a:bodyPr/>
+          <a:lstStyle/>
+          <a:p>
+            <a:fld id="{2F1A7F70-BA74-4B93-A504-6802F0D0CD34}" type="slidenum">
+              <a:rPr lang="nl-BE" smtClean="0"/>
+              <a:t>11</a:t>
+            </a:fld>
+            <a:endParaRPr lang="nl-BE"/>
+          </a:p>
+        </p:txBody>
+      </p:sp>
+    </p:spTree>
+    <p:extLst>
+      <p:ext uri="{BB962C8B-B14F-4D97-AF65-F5344CB8AC3E}">
+        <p14:creationId xmlns:p14="http://schemas.microsoft.com/office/powerpoint/2010/main" val="2442401826"/>
+      </p:ext>
+    </p:extLst>
+  </p:cSld>
+  <p:clrMapOvr>
+    <a:masterClrMapping/>
+  </p:clrMapOvr>
+</p:notes>
+</file>
+
 <file path=ppt/slideLayouts/slideLayout1.xml><?xml version="1.0" encoding="utf-8"?>
 <p:sldLayout xmlns:a="http://schemas.openxmlformats.org/drawingml/2006/main" xmlns:r="http://schemas.openxmlformats.org/officeDocument/2006/relationships" xmlns:p="http://schemas.openxmlformats.org/presentationml/2006/main" type="title" preserve="1">
   <p:cSld name="Titeldia">
@@ -915,7 +1007,7 @@
           <a:p>
             <a:fld id="{F456E141-11F1-487F-A892-18B8A63336C7}" type="datetime1">
               <a:rPr lang="nl-BE" smtClean="0"/>
-              <a:t>18/05/2025</a:t>
+              <a:t>20/05/2025</a:t>
             </a:fld>
             <a:endParaRPr lang="nl-BE"/>
           </a:p>
@@ -1231,7 +1323,7 @@
           <a:p>
             <a:fld id="{85CAFD92-94F2-4CD0-8A1D-AA3295115CEC}" type="datetime1">
               <a:rPr lang="nl-BE" smtClean="0"/>
-              <a:t>18/05/2025</a:t>
+              <a:t>20/05/2025</a:t>
             </a:fld>
             <a:endParaRPr lang="nl-BE"/>
           </a:p>
@@ -1411,7 +1503,7 @@
           <a:p>
             <a:fld id="{02B84EFA-B363-4043-A12E-44B39EC7D05B}" type="datetime1">
               <a:rPr lang="nl-BE" smtClean="0"/>
-              <a:t>18/05/2025</a:t>
+              <a:t>20/05/2025</a:t>
             </a:fld>
             <a:endParaRPr lang="nl-BE"/>
           </a:p>
@@ -1610,7 +1702,7 @@
           <a:p>
             <a:fld id="{B7AA89A6-C9B9-4556-BC9E-5E3CF3322A33}" type="datetime1">
               <a:rPr lang="nl-BE" smtClean="0"/>
-              <a:t>18/05/2025</a:t>
+              <a:t>20/05/2025</a:t>
             </a:fld>
             <a:endParaRPr lang="nl-BE"/>
           </a:p>
@@ -1861,7 +1953,7 @@
           <a:p>
             <a:fld id="{6CEB42D4-4FBB-465F-AE58-8ADBDBF671C8}" type="datetime1">
               <a:rPr lang="nl-BE" smtClean="0"/>
-              <a:t>18/05/2025</a:t>
+              <a:t>20/05/2025</a:t>
             </a:fld>
             <a:endParaRPr lang="nl-BE"/>
           </a:p>
@@ -2093,7 +2185,7 @@
           <a:p>
             <a:fld id="{64B405D5-C0FD-42E0-9EB1-2670F471B7BB}" type="datetime1">
               <a:rPr lang="nl-BE" smtClean="0"/>
-              <a:t>18/05/2025</a:t>
+              <a:t>20/05/2025</a:t>
             </a:fld>
             <a:endParaRPr lang="nl-BE"/>
           </a:p>
@@ -2460,7 +2552,7 @@
           <a:p>
             <a:fld id="{4CB55C39-C031-448F-A58F-CA88F7B6F786}" type="datetime1">
               <a:rPr lang="nl-BE" smtClean="0"/>
-              <a:t>18/05/2025</a:t>
+              <a:t>20/05/2025</a:t>
             </a:fld>
             <a:endParaRPr lang="nl-BE"/>
           </a:p>
@@ -2578,7 +2670,7 @@
           <a:p>
             <a:fld id="{E29307F5-1DF0-4FFF-91A4-1E1A6A26A94A}" type="datetime1">
               <a:rPr lang="nl-BE" smtClean="0"/>
-              <a:t>18/05/2025</a:t>
+              <a:t>20/05/2025</a:t>
             </a:fld>
             <a:endParaRPr lang="nl-BE"/>
           </a:p>
@@ -2673,7 +2765,7 @@
           <a:p>
             <a:fld id="{00A9168B-A159-4E9D-A6C6-C6786C6AB2EB}" type="datetime1">
               <a:rPr lang="nl-BE" smtClean="0"/>
-              <a:t>18/05/2025</a:t>
+              <a:t>20/05/2025</a:t>
             </a:fld>
             <a:endParaRPr lang="nl-BE"/>
           </a:p>
@@ -2950,7 +3042,7 @@
           <a:p>
             <a:fld id="{E9D22159-AF82-4D23-BC06-D4277BDD9BAD}" type="datetime1">
               <a:rPr lang="nl-BE" smtClean="0"/>
-              <a:t>18/05/2025</a:t>
+              <a:t>20/05/2025</a:t>
             </a:fld>
             <a:endParaRPr lang="nl-BE"/>
           </a:p>
@@ -3203,7 +3295,7 @@
           <a:p>
             <a:fld id="{D08A7014-C292-4E4F-926C-1A31F538B52A}" type="datetime1">
               <a:rPr lang="nl-BE" smtClean="0"/>
-              <a:t>18/05/2025</a:t>
+              <a:t>20/05/2025</a:t>
             </a:fld>
             <a:endParaRPr lang="nl-BE"/>
           </a:p>
@@ -3416,7 +3508,7 @@
           <a:p>
             <a:fld id="{E9CC7161-F687-474C-905A-3CCBBA535086}" type="datetime1">
               <a:rPr lang="nl-BE" smtClean="0"/>
-              <a:t>18/05/2025</a:t>
+              <a:t>20/05/2025</a:t>
             </a:fld>
             <a:endParaRPr lang="nl-BE"/>
           </a:p>
@@ -4112,6 +4204,745 @@
 </p:sld>
 </file>
 
+<file path=ppt/slides/slide10.xml><?xml version="1.0" encoding="utf-8"?>
+<p:sld xmlns:a="http://schemas.openxmlformats.org/drawingml/2006/main" xmlns:r="http://schemas.openxmlformats.org/officeDocument/2006/relationships" xmlns:p="http://schemas.openxmlformats.org/presentationml/2006/main">
+  <p:cSld>
+    <p:spTree>
+      <p:nvGrpSpPr>
+        <p:cNvPr id="1" name=""/>
+        <p:cNvGrpSpPr/>
+        <p:nvPr/>
+      </p:nvGrpSpPr>
+      <p:grpSpPr>
+        <a:xfrm>
+          <a:off x="0" y="0"/>
+          <a:ext cx="0" cy="0"/>
+          <a:chOff x="0" y="0"/>
+          <a:chExt cx="0" cy="0"/>
+        </a:xfrm>
+      </p:grpSpPr>
+      <p:sp>
+        <p:nvSpPr>
+          <p:cNvPr id="2" name="Title 1">
+            <a:extLst>
+              <a:ext uri="{FF2B5EF4-FFF2-40B4-BE49-F238E27FC236}">
+                <a16:creationId xmlns:a16="http://schemas.microsoft.com/office/drawing/2014/main" id="{28B6823D-3D39-77E9-1DF1-2B67B52D5FC7}"/>
+              </a:ext>
+            </a:extLst>
+          </p:cNvPr>
+          <p:cNvSpPr>
+            <a:spLocks noGrp="1"/>
+          </p:cNvSpPr>
+          <p:nvPr>
+            <p:ph type="title"/>
+          </p:nvPr>
+        </p:nvSpPr>
+        <p:spPr/>
+        <p:txBody>
+          <a:bodyPr/>
+          <a:lstStyle/>
+          <a:p>
+            <a:r>
+              <a:rPr lang="en-US" dirty="0"/>
+              <a:t>Scaling</a:t>
+            </a:r>
+          </a:p>
+        </p:txBody>
+      </p:sp>
+      <p:sp>
+        <p:nvSpPr>
+          <p:cNvPr id="3" name="Content Placeholder 2">
+            <a:extLst>
+              <a:ext uri="{FF2B5EF4-FFF2-40B4-BE49-F238E27FC236}">
+                <a16:creationId xmlns:a16="http://schemas.microsoft.com/office/drawing/2014/main" id="{A5233963-C325-0062-491B-37B9BC258AC1}"/>
+              </a:ext>
+            </a:extLst>
+          </p:cNvPr>
+          <p:cNvSpPr>
+            <a:spLocks noGrp="1"/>
+          </p:cNvSpPr>
+          <p:nvPr>
+            <p:ph idx="1"/>
+          </p:nvPr>
+        </p:nvSpPr>
+        <p:spPr/>
+        <p:txBody>
+          <a:bodyPr/>
+          <a:lstStyle/>
+          <a:p>
+            <a:r>
+              <a:rPr lang="en-US" dirty="0"/>
+              <a:t>It means the model will be bad:</a:t>
+            </a:r>
+          </a:p>
+          <a:p>
+            <a:pPr lvl="1"/>
+            <a:r>
+              <a:rPr lang="en-US" dirty="0"/>
+              <a:t>Predicted 0 is mostly 1, but half the time it’s 2</a:t>
+            </a:r>
+          </a:p>
+          <a:p>
+            <a:pPr lvl="1"/>
+            <a:r>
+              <a:rPr lang="en-US" dirty="0"/>
+              <a:t>Predicted 1 is mostly 0, but half the time it’s 1 or 2</a:t>
+            </a:r>
+          </a:p>
+          <a:p>
+            <a:pPr lvl="1"/>
+            <a:r>
+              <a:rPr lang="en-US" dirty="0"/>
+              <a:t>Predicted 2 is always 0</a:t>
+            </a:r>
+          </a:p>
+          <a:p>
+            <a:r>
+              <a:rPr lang="en-US" dirty="0"/>
+              <a:t>To help the model, we have to scale the data</a:t>
+            </a:r>
+          </a:p>
+          <a:p>
+            <a:pPr lvl="1"/>
+            <a:r>
+              <a:rPr lang="en-US" dirty="0"/>
+              <a:t>Make sure all values are between -1 and +1</a:t>
+            </a:r>
+          </a:p>
+          <a:p>
+            <a:endParaRPr lang="en-US" dirty="0"/>
+          </a:p>
+          <a:p>
+            <a:r>
+              <a:rPr lang="en-US" dirty="0"/>
+              <a:t>The result?</a:t>
+            </a:r>
+          </a:p>
+          <a:p>
+            <a:endParaRPr lang="en-US" dirty="0"/>
+          </a:p>
+        </p:txBody>
+      </p:sp>
+      <p:sp>
+        <p:nvSpPr>
+          <p:cNvPr id="4" name="Slide Number Placeholder 3">
+            <a:extLst>
+              <a:ext uri="{FF2B5EF4-FFF2-40B4-BE49-F238E27FC236}">
+                <a16:creationId xmlns:a16="http://schemas.microsoft.com/office/drawing/2014/main" id="{5B401073-B2FD-0EAC-ED70-A73F888BC0EC}"/>
+              </a:ext>
+            </a:extLst>
+          </p:cNvPr>
+          <p:cNvSpPr>
+            <a:spLocks noGrp="1"/>
+          </p:cNvSpPr>
+          <p:nvPr>
+            <p:ph type="sldNum" sz="quarter" idx="12"/>
+          </p:nvPr>
+        </p:nvSpPr>
+        <p:spPr/>
+        <p:txBody>
+          <a:bodyPr/>
+          <a:lstStyle/>
+          <a:p>
+            <a:fld id="{FE1B3154-47D9-4402-8EDB-E791933DC0B9}" type="slidenum">
+              <a:rPr lang="nl-BE" smtClean="0"/>
+              <a:pPr/>
+              <a:t>10</a:t>
+            </a:fld>
+            <a:endParaRPr lang="nl-BE"/>
+          </a:p>
+        </p:txBody>
+      </p:sp>
+      <p:pic>
+        <p:nvPicPr>
+          <p:cNvPr id="6" name="Picture 5">
+            <a:extLst>
+              <a:ext uri="{FF2B5EF4-FFF2-40B4-BE49-F238E27FC236}">
+                <a16:creationId xmlns:a16="http://schemas.microsoft.com/office/drawing/2014/main" id="{47964883-EC7E-EFE2-3912-D60AD3C9E459}"/>
+              </a:ext>
+            </a:extLst>
+          </p:cNvPr>
+          <p:cNvPicPr>
+            <a:picLocks noChangeAspect="1"/>
+          </p:cNvPicPr>
+          <p:nvPr/>
+        </p:nvPicPr>
+        <p:blipFill>
+          <a:blip r:embed="rId2"/>
+          <a:stretch>
+            <a:fillRect/>
+          </a:stretch>
+        </p:blipFill>
+        <p:spPr>
+          <a:xfrm>
+            <a:off x="8479006" y="1141693"/>
+            <a:ext cx="2709552" cy="2051299"/>
+          </a:xfrm>
+          <a:prstGeom prst="rect">
+            <a:avLst/>
+          </a:prstGeom>
+        </p:spPr>
+      </p:pic>
+      <p:pic>
+        <p:nvPicPr>
+          <p:cNvPr id="8" name="Picture 7">
+            <a:extLst>
+              <a:ext uri="{FF2B5EF4-FFF2-40B4-BE49-F238E27FC236}">
+                <a16:creationId xmlns:a16="http://schemas.microsoft.com/office/drawing/2014/main" id="{DFB55D92-ECD2-B5C2-0354-7BE6F56C619B}"/>
+              </a:ext>
+            </a:extLst>
+          </p:cNvPr>
+          <p:cNvPicPr>
+            <a:picLocks noChangeAspect="1"/>
+          </p:cNvPicPr>
+          <p:nvPr/>
+        </p:nvPicPr>
+        <p:blipFill>
+          <a:blip r:embed="rId3"/>
+          <a:stretch>
+            <a:fillRect/>
+          </a:stretch>
+        </p:blipFill>
+        <p:spPr>
+          <a:xfrm>
+            <a:off x="8479006" y="4333577"/>
+            <a:ext cx="2709552" cy="2109140"/>
+          </a:xfrm>
+          <a:prstGeom prst="rect">
+            <a:avLst/>
+          </a:prstGeom>
+        </p:spPr>
+      </p:pic>
+    </p:spTree>
+    <p:extLst>
+      <p:ext uri="{BB962C8B-B14F-4D97-AF65-F5344CB8AC3E}">
+        <p14:creationId xmlns:p14="http://schemas.microsoft.com/office/powerpoint/2010/main" val="338388425"/>
+      </p:ext>
+    </p:extLst>
+  </p:cSld>
+  <p:clrMapOvr>
+    <a:masterClrMapping/>
+  </p:clrMapOvr>
+</p:sld>
+</file>
+
+<file path=ppt/slides/slide11.xml><?xml version="1.0" encoding="utf-8"?>
+<p:sld xmlns:a="http://schemas.openxmlformats.org/drawingml/2006/main" xmlns:r="http://schemas.openxmlformats.org/officeDocument/2006/relationships" xmlns:p="http://schemas.openxmlformats.org/presentationml/2006/main">
+  <p:cSld>
+    <p:spTree>
+      <p:nvGrpSpPr>
+        <p:cNvPr id="1" name=""/>
+        <p:cNvGrpSpPr/>
+        <p:nvPr/>
+      </p:nvGrpSpPr>
+      <p:grpSpPr>
+        <a:xfrm>
+          <a:off x="0" y="0"/>
+          <a:ext cx="0" cy="0"/>
+          <a:chOff x="0" y="0"/>
+          <a:chExt cx="0" cy="0"/>
+        </a:xfrm>
+      </p:grpSpPr>
+      <p:sp>
+        <p:nvSpPr>
+          <p:cNvPr id="2" name="Title 1">
+            <a:extLst>
+              <a:ext uri="{FF2B5EF4-FFF2-40B4-BE49-F238E27FC236}">
+                <a16:creationId xmlns:a16="http://schemas.microsoft.com/office/drawing/2014/main" id="{9DE6C268-65A4-B207-CF2D-2BE1620ACA9F}"/>
+              </a:ext>
+            </a:extLst>
+          </p:cNvPr>
+          <p:cNvSpPr>
+            <a:spLocks noGrp="1"/>
+          </p:cNvSpPr>
+          <p:nvPr>
+            <p:ph type="title"/>
+          </p:nvPr>
+        </p:nvSpPr>
+        <p:spPr/>
+        <p:txBody>
+          <a:bodyPr/>
+          <a:lstStyle/>
+          <a:p>
+            <a:r>
+              <a:rPr lang="en-US" dirty="0"/>
+              <a:t>Scaling</a:t>
+            </a:r>
+          </a:p>
+        </p:txBody>
+      </p:sp>
+      <p:sp>
+        <p:nvSpPr>
+          <p:cNvPr id="3" name="Content Placeholder 2">
+            <a:extLst>
+              <a:ext uri="{FF2B5EF4-FFF2-40B4-BE49-F238E27FC236}">
+                <a16:creationId xmlns:a16="http://schemas.microsoft.com/office/drawing/2014/main" id="{D8AD476E-1C06-C0FD-E783-A61DE2464E59}"/>
+              </a:ext>
+            </a:extLst>
+          </p:cNvPr>
+          <p:cNvSpPr>
+            <a:spLocks noGrp="1"/>
+          </p:cNvSpPr>
+          <p:nvPr>
+            <p:ph idx="1"/>
+          </p:nvPr>
+        </p:nvSpPr>
+        <p:spPr/>
+        <p:txBody>
+          <a:bodyPr/>
+          <a:lstStyle/>
+          <a:p>
+            <a:r>
+              <a:rPr lang="en-US" dirty="0"/>
+              <a:t>Scaling: The broader term for normalization and standardization</a:t>
+            </a:r>
+          </a:p>
+          <a:p>
+            <a:r>
+              <a:rPr lang="en-US" dirty="0"/>
+              <a:t>Normalization:</a:t>
+            </a:r>
+          </a:p>
+          <a:p>
+            <a:pPr lvl="1"/>
+            <a:r>
+              <a:rPr lang="en-US" dirty="0"/>
+              <a:t>Min-max scaling</a:t>
+            </a:r>
+          </a:p>
+          <a:p>
+            <a:pPr lvl="1"/>
+            <a:r>
+              <a:rPr lang="en-US" dirty="0"/>
+              <a:t>All values between 0 and 1</a:t>
+            </a:r>
+          </a:p>
+          <a:p>
+            <a:pPr lvl="1"/>
+            <a:r>
+              <a:rPr lang="en-US" dirty="0"/>
+              <a:t>Sensitive to outliers</a:t>
+            </a:r>
+          </a:p>
+          <a:p>
+            <a:r>
+              <a:rPr lang="en-US" dirty="0"/>
+              <a:t>Standardization (Z-score normalization)</a:t>
+            </a:r>
+          </a:p>
+          <a:p>
+            <a:pPr lvl="1"/>
+            <a:r>
+              <a:rPr lang="en-US" dirty="0"/>
+              <a:t>Uses mean and standard deviation</a:t>
+            </a:r>
+          </a:p>
+          <a:p>
+            <a:pPr lvl="1"/>
+            <a:r>
+              <a:rPr lang="en-US" dirty="0"/>
+              <a:t>Good for normally distributed data</a:t>
+            </a:r>
+          </a:p>
+          <a:p>
+            <a:pPr lvl="1"/>
+            <a:r>
+              <a:rPr lang="en-US" dirty="0"/>
+              <a:t>Preserves outliers</a:t>
+            </a:r>
+          </a:p>
+          <a:p>
+            <a:endParaRPr lang="en-US" dirty="0"/>
+          </a:p>
+          <a:p>
+            <a:pPr lvl="1"/>
+            <a:endParaRPr lang="en-US" dirty="0"/>
+          </a:p>
+        </p:txBody>
+      </p:sp>
+      <p:sp>
+        <p:nvSpPr>
+          <p:cNvPr id="4" name="Slide Number Placeholder 3">
+            <a:extLst>
+              <a:ext uri="{FF2B5EF4-FFF2-40B4-BE49-F238E27FC236}">
+                <a16:creationId xmlns:a16="http://schemas.microsoft.com/office/drawing/2014/main" id="{3773DF98-A9F9-2D26-C98F-881C884DA988}"/>
+              </a:ext>
+            </a:extLst>
+          </p:cNvPr>
+          <p:cNvSpPr>
+            <a:spLocks noGrp="1"/>
+          </p:cNvSpPr>
+          <p:nvPr>
+            <p:ph type="sldNum" sz="quarter" idx="12"/>
+          </p:nvPr>
+        </p:nvSpPr>
+        <p:spPr/>
+        <p:txBody>
+          <a:bodyPr/>
+          <a:lstStyle/>
+          <a:p>
+            <a:fld id="{FE1B3154-47D9-4402-8EDB-E791933DC0B9}" type="slidenum">
+              <a:rPr lang="nl-BE" smtClean="0"/>
+              <a:pPr/>
+              <a:t>11</a:t>
+            </a:fld>
+            <a:endParaRPr lang="nl-BE"/>
+          </a:p>
+        </p:txBody>
+      </p:sp>
+      <p:pic>
+        <p:nvPicPr>
+          <p:cNvPr id="9" name="Picture 8">
+            <a:extLst>
+              <a:ext uri="{FF2B5EF4-FFF2-40B4-BE49-F238E27FC236}">
+                <a16:creationId xmlns:a16="http://schemas.microsoft.com/office/drawing/2014/main" id="{B5497D3B-58CC-E6F2-1481-B70CCB8244D5}"/>
+              </a:ext>
+            </a:extLst>
+          </p:cNvPr>
+          <p:cNvPicPr>
+            <a:picLocks noChangeAspect="1"/>
+          </p:cNvPicPr>
+          <p:nvPr/>
+        </p:nvPicPr>
+        <p:blipFill>
+          <a:blip r:embed="rId3"/>
+          <a:stretch>
+            <a:fillRect/>
+          </a:stretch>
+        </p:blipFill>
+        <p:spPr>
+          <a:xfrm>
+            <a:off x="5968253" y="2664957"/>
+            <a:ext cx="3081221" cy="880348"/>
+          </a:xfrm>
+          <a:prstGeom prst="rect">
+            <a:avLst/>
+          </a:prstGeom>
+        </p:spPr>
+      </p:pic>
+      <p:pic>
+        <p:nvPicPr>
+          <p:cNvPr id="11" name="Picture 10">
+            <a:extLst>
+              <a:ext uri="{FF2B5EF4-FFF2-40B4-BE49-F238E27FC236}">
+                <a16:creationId xmlns:a16="http://schemas.microsoft.com/office/drawing/2014/main" id="{BC385428-693E-DC31-A3F3-449533C8020F}"/>
+              </a:ext>
+            </a:extLst>
+          </p:cNvPr>
+          <p:cNvPicPr>
+            <a:picLocks noChangeAspect="1"/>
+          </p:cNvPicPr>
+          <p:nvPr/>
+        </p:nvPicPr>
+        <p:blipFill>
+          <a:blip r:embed="rId4"/>
+          <a:stretch>
+            <a:fillRect/>
+          </a:stretch>
+        </p:blipFill>
+        <p:spPr>
+          <a:xfrm>
+            <a:off x="6753727" y="4420960"/>
+            <a:ext cx="1760698" cy="880348"/>
+          </a:xfrm>
+          <a:prstGeom prst="rect">
+            <a:avLst/>
+          </a:prstGeom>
+        </p:spPr>
+      </p:pic>
+    </p:spTree>
+    <p:extLst>
+      <p:ext uri="{BB962C8B-B14F-4D97-AF65-F5344CB8AC3E}">
+        <p14:creationId xmlns:p14="http://schemas.microsoft.com/office/powerpoint/2010/main" val="724643333"/>
+      </p:ext>
+    </p:extLst>
+  </p:cSld>
+  <p:clrMapOvr>
+    <a:masterClrMapping/>
+  </p:clrMapOvr>
+</p:sld>
+</file>
+
+<file path=ppt/slides/slide12.xml><?xml version="1.0" encoding="utf-8"?>
+<p:sld xmlns:a="http://schemas.openxmlformats.org/drawingml/2006/main" xmlns:r="http://schemas.openxmlformats.org/officeDocument/2006/relationships" xmlns:p="http://schemas.openxmlformats.org/presentationml/2006/main">
+  <p:cSld>
+    <p:spTree>
+      <p:nvGrpSpPr>
+        <p:cNvPr id="1" name=""/>
+        <p:cNvGrpSpPr/>
+        <p:nvPr/>
+      </p:nvGrpSpPr>
+      <p:grpSpPr>
+        <a:xfrm>
+          <a:off x="0" y="0"/>
+          <a:ext cx="0" cy="0"/>
+          <a:chOff x="0" y="0"/>
+          <a:chExt cx="0" cy="0"/>
+        </a:xfrm>
+      </p:grpSpPr>
+      <p:sp>
+        <p:nvSpPr>
+          <p:cNvPr id="2" name="Title 1">
+            <a:extLst>
+              <a:ext uri="{FF2B5EF4-FFF2-40B4-BE49-F238E27FC236}">
+                <a16:creationId xmlns:a16="http://schemas.microsoft.com/office/drawing/2014/main" id="{E1E7901E-6FC3-DB0B-C30D-8F9C9E33F43A}"/>
+              </a:ext>
+            </a:extLst>
+          </p:cNvPr>
+          <p:cNvSpPr>
+            <a:spLocks noGrp="1"/>
+          </p:cNvSpPr>
+          <p:nvPr>
+            <p:ph type="title"/>
+          </p:nvPr>
+        </p:nvSpPr>
+        <p:spPr/>
+        <p:txBody>
+          <a:bodyPr/>
+          <a:lstStyle/>
+          <a:p>
+            <a:r>
+              <a:rPr lang="en-US" dirty="0"/>
+              <a:t>Scaling</a:t>
+            </a:r>
+          </a:p>
+        </p:txBody>
+      </p:sp>
+      <p:sp>
+        <p:nvSpPr>
+          <p:cNvPr id="3" name="Content Placeholder 2">
+            <a:extLst>
+              <a:ext uri="{FF2B5EF4-FFF2-40B4-BE49-F238E27FC236}">
+                <a16:creationId xmlns:a16="http://schemas.microsoft.com/office/drawing/2014/main" id="{8109B001-A930-EDEE-583B-535BF8534D9B}"/>
+              </a:ext>
+            </a:extLst>
+          </p:cNvPr>
+          <p:cNvSpPr>
+            <a:spLocks noGrp="1"/>
+          </p:cNvSpPr>
+          <p:nvPr>
+            <p:ph idx="1"/>
+          </p:nvPr>
+        </p:nvSpPr>
+        <p:spPr/>
+        <p:txBody>
+          <a:bodyPr/>
+          <a:lstStyle/>
+          <a:p>
+            <a:r>
+              <a:rPr lang="en-US" dirty="0"/>
+              <a:t>The downside to scaling is that the model expects scaled data, not the actual data</a:t>
+            </a:r>
+          </a:p>
+          <a:p>
+            <a:r>
+              <a:rPr lang="en-US" dirty="0"/>
+              <a:t>You have to rescale the ‘new’ data before you can reliably assess a grouping</a:t>
+            </a:r>
+          </a:p>
+          <a:p>
+            <a:pPr lvl="1"/>
+            <a:r>
+              <a:rPr lang="en-US" dirty="0"/>
+              <a:t>But when rescaling we have use the same values as before</a:t>
+            </a:r>
+          </a:p>
+        </p:txBody>
+      </p:sp>
+      <p:sp>
+        <p:nvSpPr>
+          <p:cNvPr id="4" name="Slide Number Placeholder 3">
+            <a:extLst>
+              <a:ext uri="{FF2B5EF4-FFF2-40B4-BE49-F238E27FC236}">
+                <a16:creationId xmlns:a16="http://schemas.microsoft.com/office/drawing/2014/main" id="{71B03A2D-838F-6311-1F68-BD23ABB29F8D}"/>
+              </a:ext>
+            </a:extLst>
+          </p:cNvPr>
+          <p:cNvSpPr>
+            <a:spLocks noGrp="1"/>
+          </p:cNvSpPr>
+          <p:nvPr>
+            <p:ph type="sldNum" sz="quarter" idx="12"/>
+          </p:nvPr>
+        </p:nvSpPr>
+        <p:spPr/>
+        <p:txBody>
+          <a:bodyPr/>
+          <a:lstStyle/>
+          <a:p>
+            <a:fld id="{FE1B3154-47D9-4402-8EDB-E791933DC0B9}" type="slidenum">
+              <a:rPr lang="nl-BE" smtClean="0"/>
+              <a:pPr/>
+              <a:t>12</a:t>
+            </a:fld>
+            <a:endParaRPr lang="nl-BE"/>
+          </a:p>
+        </p:txBody>
+      </p:sp>
+    </p:spTree>
+    <p:extLst>
+      <p:ext uri="{BB962C8B-B14F-4D97-AF65-F5344CB8AC3E}">
+        <p14:creationId xmlns:p14="http://schemas.microsoft.com/office/powerpoint/2010/main" val="1108005562"/>
+      </p:ext>
+    </p:extLst>
+  </p:cSld>
+  <p:clrMapOvr>
+    <a:masterClrMapping/>
+  </p:clrMapOvr>
+</p:sld>
+</file>
+
+<file path=ppt/slides/slide13.xml><?xml version="1.0" encoding="utf-8"?>
+<p:sld xmlns:a="http://schemas.openxmlformats.org/drawingml/2006/main" xmlns:r="http://schemas.openxmlformats.org/officeDocument/2006/relationships" xmlns:p="http://schemas.openxmlformats.org/presentationml/2006/main">
+  <p:cSld>
+    <p:spTree>
+      <p:nvGrpSpPr>
+        <p:cNvPr id="1" name=""/>
+        <p:cNvGrpSpPr/>
+        <p:nvPr/>
+      </p:nvGrpSpPr>
+      <p:grpSpPr>
+        <a:xfrm>
+          <a:off x="0" y="0"/>
+          <a:ext cx="0" cy="0"/>
+          <a:chOff x="0" y="0"/>
+          <a:chExt cx="0" cy="0"/>
+        </a:xfrm>
+      </p:grpSpPr>
+      <p:sp>
+        <p:nvSpPr>
+          <p:cNvPr id="2" name="Title 1">
+            <a:extLst>
+              <a:ext uri="{FF2B5EF4-FFF2-40B4-BE49-F238E27FC236}">
+                <a16:creationId xmlns:a16="http://schemas.microsoft.com/office/drawing/2014/main" id="{26DCA416-6EF1-F6A9-A76D-780FB7E8CA86}"/>
+              </a:ext>
+            </a:extLst>
+          </p:cNvPr>
+          <p:cNvSpPr>
+            <a:spLocks noGrp="1"/>
+          </p:cNvSpPr>
+          <p:nvPr>
+            <p:ph type="title"/>
+          </p:nvPr>
+        </p:nvSpPr>
+        <p:spPr/>
+        <p:txBody>
+          <a:bodyPr/>
+          <a:lstStyle/>
+          <a:p>
+            <a:r>
+              <a:rPr lang="en-US" dirty="0"/>
+              <a:t>Summary</a:t>
+            </a:r>
+          </a:p>
+        </p:txBody>
+      </p:sp>
+      <p:sp>
+        <p:nvSpPr>
+          <p:cNvPr id="3" name="Content Placeholder 2">
+            <a:extLst>
+              <a:ext uri="{FF2B5EF4-FFF2-40B4-BE49-F238E27FC236}">
+                <a16:creationId xmlns:a16="http://schemas.microsoft.com/office/drawing/2014/main" id="{07CDF310-7B0E-483B-CB1D-E96A2D8957C3}"/>
+              </a:ext>
+            </a:extLst>
+          </p:cNvPr>
+          <p:cNvSpPr>
+            <a:spLocks noGrp="1"/>
+          </p:cNvSpPr>
+          <p:nvPr>
+            <p:ph idx="1"/>
+          </p:nvPr>
+        </p:nvSpPr>
+        <p:spPr/>
+        <p:txBody>
+          <a:bodyPr/>
+          <a:lstStyle/>
+          <a:p>
+            <a:r>
+              <a:rPr lang="en-US" dirty="0"/>
+              <a:t>Unsupervised learning looks for clusters in your data</a:t>
+            </a:r>
+          </a:p>
+          <a:p>
+            <a:r>
+              <a:rPr lang="en-US" dirty="0"/>
+              <a:t>This can be done visually for 2D-data, but clustering can do the same in many dimensions</a:t>
+            </a:r>
+          </a:p>
+          <a:p>
+            <a:endParaRPr lang="en-US" dirty="0"/>
+          </a:p>
+          <a:p>
+            <a:r>
+              <a:rPr lang="en-US" dirty="0"/>
+              <a:t>Clustering can be used to predict a grouping, turning it into a kind of supervised learning</a:t>
+            </a:r>
+          </a:p>
+          <a:p>
+            <a:endParaRPr lang="en-US" dirty="0"/>
+          </a:p>
+          <a:p>
+            <a:r>
+              <a:rPr lang="en-US" dirty="0"/>
+              <a:t>When clustering make sure your data is standardized</a:t>
+            </a:r>
+          </a:p>
+          <a:p>
+            <a:r>
+              <a:rPr lang="en-US" dirty="0"/>
+              <a:t>And when inferring, reapply </a:t>
+            </a:r>
+            <a:r>
+              <a:rPr lang="en-US"/>
+              <a:t>the standardization</a:t>
+            </a:r>
+            <a:endParaRPr lang="en-US" dirty="0"/>
+          </a:p>
+        </p:txBody>
+      </p:sp>
+      <p:sp>
+        <p:nvSpPr>
+          <p:cNvPr id="4" name="Slide Number Placeholder 3">
+            <a:extLst>
+              <a:ext uri="{FF2B5EF4-FFF2-40B4-BE49-F238E27FC236}">
+                <a16:creationId xmlns:a16="http://schemas.microsoft.com/office/drawing/2014/main" id="{7BB02BB4-72C3-8DDC-6088-505638EDA458}"/>
+              </a:ext>
+            </a:extLst>
+          </p:cNvPr>
+          <p:cNvSpPr>
+            <a:spLocks noGrp="1"/>
+          </p:cNvSpPr>
+          <p:nvPr>
+            <p:ph type="sldNum" sz="quarter" idx="12"/>
+          </p:nvPr>
+        </p:nvSpPr>
+        <p:spPr/>
+        <p:txBody>
+          <a:bodyPr/>
+          <a:lstStyle/>
+          <a:p>
+            <a:fld id="{FE1B3154-47D9-4402-8EDB-E791933DC0B9}" type="slidenum">
+              <a:rPr lang="nl-BE" smtClean="0"/>
+              <a:pPr/>
+              <a:t>13</a:t>
+            </a:fld>
+            <a:endParaRPr lang="nl-BE"/>
+          </a:p>
+        </p:txBody>
+      </p:sp>
+    </p:spTree>
+    <p:extLst>
+      <p:ext uri="{BB962C8B-B14F-4D97-AF65-F5344CB8AC3E}">
+        <p14:creationId xmlns:p14="http://schemas.microsoft.com/office/powerpoint/2010/main" val="2470221308"/>
+      </p:ext>
+    </p:extLst>
+  </p:cSld>
+  <p:clrMapOvr>
+    <a:masterClrMapping/>
+  </p:clrMapOvr>
+</p:sld>
+</file>
+
 <file path=ppt/slides/slide2.xml><?xml version="1.0" encoding="utf-8"?>
 <p:sld xmlns:a="http://schemas.openxmlformats.org/drawingml/2006/main" xmlns:r="http://schemas.openxmlformats.org/officeDocument/2006/relationships" xmlns:p="http://schemas.openxmlformats.org/presentationml/2006/main">
   <p:cSld>
@@ -5432,6 +6263,209 @@
     <p:extLst>
       <p:ext uri="{BB962C8B-B14F-4D97-AF65-F5344CB8AC3E}">
         <p14:creationId xmlns:p14="http://schemas.microsoft.com/office/powerpoint/2010/main" val="2637808786"/>
+      </p:ext>
+    </p:extLst>
+  </p:cSld>
+  <p:clrMapOvr>
+    <a:masterClrMapping/>
+  </p:clrMapOvr>
+</p:sld>
+</file>
+
+<file path=ppt/slides/slide9.xml><?xml version="1.0" encoding="utf-8"?>
+<p:sld xmlns:a="http://schemas.openxmlformats.org/drawingml/2006/main" xmlns:r="http://schemas.openxmlformats.org/officeDocument/2006/relationships" xmlns:p="http://schemas.openxmlformats.org/presentationml/2006/main">
+  <p:cSld>
+    <p:spTree>
+      <p:nvGrpSpPr>
+        <p:cNvPr id="1" name=""/>
+        <p:cNvGrpSpPr/>
+        <p:nvPr/>
+      </p:nvGrpSpPr>
+      <p:grpSpPr>
+        <a:xfrm>
+          <a:off x="0" y="0"/>
+          <a:ext cx="0" cy="0"/>
+          <a:chOff x="0" y="0"/>
+          <a:chExt cx="0" cy="0"/>
+        </a:xfrm>
+      </p:grpSpPr>
+      <p:sp>
+        <p:nvSpPr>
+          <p:cNvPr id="2" name="Title 1">
+            <a:extLst>
+              <a:ext uri="{FF2B5EF4-FFF2-40B4-BE49-F238E27FC236}">
+                <a16:creationId xmlns:a16="http://schemas.microsoft.com/office/drawing/2014/main" id="{30DB2F05-4139-B713-506E-1D834B08FB58}"/>
+              </a:ext>
+            </a:extLst>
+          </p:cNvPr>
+          <p:cNvSpPr>
+            <a:spLocks noGrp="1"/>
+          </p:cNvSpPr>
+          <p:nvPr>
+            <p:ph type="title"/>
+          </p:nvPr>
+        </p:nvSpPr>
+        <p:spPr/>
+        <p:txBody>
+          <a:bodyPr/>
+          <a:lstStyle/>
+          <a:p>
+            <a:r>
+              <a:rPr lang="en-US" dirty="0"/>
+              <a:t>Scaling</a:t>
+            </a:r>
+          </a:p>
+        </p:txBody>
+      </p:sp>
+      <p:sp>
+        <p:nvSpPr>
+          <p:cNvPr id="3" name="Content Placeholder 2">
+            <a:extLst>
+              <a:ext uri="{FF2B5EF4-FFF2-40B4-BE49-F238E27FC236}">
+                <a16:creationId xmlns:a16="http://schemas.microsoft.com/office/drawing/2014/main" id="{59582B44-2A6F-77BA-99CB-105AB01D0786}"/>
+              </a:ext>
+            </a:extLst>
+          </p:cNvPr>
+          <p:cNvSpPr>
+            <a:spLocks noGrp="1"/>
+          </p:cNvSpPr>
+          <p:nvPr>
+            <p:ph idx="1"/>
+          </p:nvPr>
+        </p:nvSpPr>
+        <p:spPr>
+          <a:xfrm>
+            <a:off x="582705" y="1550894"/>
+            <a:ext cx="7821556" cy="4626069"/>
+          </a:xfrm>
+        </p:spPr>
+        <p:txBody>
+          <a:bodyPr/>
+          <a:lstStyle/>
+          <a:p>
+            <a:r>
+              <a:rPr lang="en-US" dirty="0"/>
+              <a:t>If you consider these two scatter plots, you’ll find that doing clustering is easier in the bottom one than in the top one</a:t>
+            </a:r>
+          </a:p>
+          <a:p>
+            <a:r>
+              <a:rPr lang="en-US" dirty="0"/>
+              <a:t>They show the same data, but in the top graph both axis are scaled equally</a:t>
+            </a:r>
+          </a:p>
+          <a:p>
+            <a:r>
+              <a:rPr lang="en-US" dirty="0" err="1"/>
+              <a:t>KMeans</a:t>
+            </a:r>
+            <a:r>
+              <a:rPr lang="en-US" dirty="0"/>
+              <a:t> uses a distance metric that is the same for all dimensions, which means it uses the top graph to do clustering</a:t>
+            </a:r>
+          </a:p>
+          <a:p>
+            <a:r>
+              <a:rPr lang="en-US" dirty="0"/>
+              <a:t>What does that mean for a model trained on this data?</a:t>
+            </a:r>
+          </a:p>
+        </p:txBody>
+      </p:sp>
+      <p:sp>
+        <p:nvSpPr>
+          <p:cNvPr id="4" name="Slide Number Placeholder 3">
+            <a:extLst>
+              <a:ext uri="{FF2B5EF4-FFF2-40B4-BE49-F238E27FC236}">
+                <a16:creationId xmlns:a16="http://schemas.microsoft.com/office/drawing/2014/main" id="{4C6C65A9-F949-C6ED-511B-09EF6A36248B}"/>
+              </a:ext>
+            </a:extLst>
+          </p:cNvPr>
+          <p:cNvSpPr>
+            <a:spLocks noGrp="1"/>
+          </p:cNvSpPr>
+          <p:nvPr>
+            <p:ph type="sldNum" sz="quarter" idx="12"/>
+          </p:nvPr>
+        </p:nvSpPr>
+        <p:spPr/>
+        <p:txBody>
+          <a:bodyPr/>
+          <a:lstStyle/>
+          <a:p>
+            <a:fld id="{FE1B3154-47D9-4402-8EDB-E791933DC0B9}" type="slidenum">
+              <a:rPr lang="nl-BE" smtClean="0"/>
+              <a:pPr/>
+              <a:t>9</a:t>
+            </a:fld>
+            <a:endParaRPr lang="nl-BE"/>
+          </a:p>
+        </p:txBody>
+      </p:sp>
+      <p:pic>
+        <p:nvPicPr>
+          <p:cNvPr id="6" name="Picture 5">
+            <a:extLst>
+              <a:ext uri="{FF2B5EF4-FFF2-40B4-BE49-F238E27FC236}">
+                <a16:creationId xmlns:a16="http://schemas.microsoft.com/office/drawing/2014/main" id="{9CCF758F-6E6A-EA1D-B662-2DB693B492C9}"/>
+              </a:ext>
+            </a:extLst>
+          </p:cNvPr>
+          <p:cNvPicPr>
+            <a:picLocks noChangeAspect="1"/>
+          </p:cNvPicPr>
+          <p:nvPr/>
+        </p:nvPicPr>
+        <p:blipFill>
+          <a:blip r:embed="rId2"/>
+          <a:stretch>
+            <a:fillRect/>
+          </a:stretch>
+        </p:blipFill>
+        <p:spPr>
+          <a:xfrm>
+            <a:off x="8612869" y="136525"/>
+            <a:ext cx="3433944" cy="3162066"/>
+          </a:xfrm>
+          <a:prstGeom prst="rect">
+            <a:avLst/>
+          </a:prstGeom>
+        </p:spPr>
+      </p:pic>
+      <p:pic>
+        <p:nvPicPr>
+          <p:cNvPr id="8" name="Picture 7">
+            <a:extLst>
+              <a:ext uri="{FF2B5EF4-FFF2-40B4-BE49-F238E27FC236}">
+                <a16:creationId xmlns:a16="http://schemas.microsoft.com/office/drawing/2014/main" id="{66A10355-223B-A4E3-F369-D9154E9006D5}"/>
+              </a:ext>
+            </a:extLst>
+          </p:cNvPr>
+          <p:cNvPicPr>
+            <a:picLocks noChangeAspect="1"/>
+          </p:cNvPicPr>
+          <p:nvPr/>
+        </p:nvPicPr>
+        <p:blipFill>
+          <a:blip r:embed="rId3"/>
+          <a:stretch>
+            <a:fillRect/>
+          </a:stretch>
+        </p:blipFill>
+        <p:spPr>
+          <a:xfrm>
+            <a:off x="8641512" y="3695934"/>
+            <a:ext cx="3405301" cy="3162066"/>
+          </a:xfrm>
+          <a:prstGeom prst="rect">
+            <a:avLst/>
+          </a:prstGeom>
+        </p:spPr>
+      </p:pic>
+    </p:spTree>
+    <p:extLst>
+      <p:ext uri="{BB962C8B-B14F-4D97-AF65-F5344CB8AC3E}">
+        <p14:creationId xmlns:p14="http://schemas.microsoft.com/office/powerpoint/2010/main" val="1180270276"/>
       </p:ext>
     </p:extLst>
   </p:cSld>
